--- a/History.pptx
+++ b/History.pptx
@@ -11,6 +11,16 @@
     <p:sldId id="259" r:id="rId5"/>
     <p:sldId id="260" r:id="rId6"/>
     <p:sldId id="261" r:id="rId7"/>
+    <p:sldId id="262" r:id="rId8"/>
+    <p:sldId id="270" r:id="rId9"/>
+    <p:sldId id="263" r:id="rId10"/>
+    <p:sldId id="264" r:id="rId11"/>
+    <p:sldId id="265" r:id="rId12"/>
+    <p:sldId id="266" r:id="rId13"/>
+    <p:sldId id="267" r:id="rId14"/>
+    <p:sldId id="268" r:id="rId15"/>
+    <p:sldId id="269" r:id="rId16"/>
+    <p:sldId id="271" r:id="rId17"/>
   </p:sldIdLst>
   <p:sldSz cx="12192000" cy="6858000"/>
   <p:notesSz cx="6858000" cy="9144000"/>
@@ -110,6 +120,38 @@
     </a:lvl9pPr>
   </p:defaultTextStyle>
   <p:extLst>
+    <p:ext uri="{521415D9-36F7-43E2-AB2F-B90AF26B5E84}">
+      <p14:sectionLst xmlns:p14="http://schemas.microsoft.com/office/powerpoint/2010/main">
+        <p14:section name="Default Section" id="{463F4AFC-61C5-4A01-ADF3-18DE845B8969}">
+          <p14:sldIdLst>
+            <p14:sldId id="256"/>
+          </p14:sldIdLst>
+        </p14:section>
+        <p14:section name="ResNet50" id="{496C34B4-5200-44BD-8C9B-312847437789}">
+          <p14:sldIdLst>
+            <p14:sldId id="257"/>
+            <p14:sldId id="258"/>
+            <p14:sldId id="259"/>
+            <p14:sldId id="260"/>
+            <p14:sldId id="261"/>
+            <p14:sldId id="262"/>
+            <p14:sldId id="270"/>
+          </p14:sldIdLst>
+        </p14:section>
+        <p14:section name="ResNet18" id="{DBDAE3B2-D4CB-4678-ADA6-12557AC3D3D9}">
+          <p14:sldIdLst>
+            <p14:sldId id="263"/>
+            <p14:sldId id="264"/>
+            <p14:sldId id="265"/>
+            <p14:sldId id="266"/>
+            <p14:sldId id="267"/>
+            <p14:sldId id="268"/>
+            <p14:sldId id="269"/>
+            <p14:sldId id="271"/>
+          </p14:sldIdLst>
+        </p14:section>
+      </p14:sectionLst>
+    </p:ext>
     <p:ext uri="{EFAFB233-063F-42B5-8137-9DF3F51BA10A}">
       <p15:sldGuideLst xmlns:p15="http://schemas.microsoft.com/office/powerpoint/2012/main"/>
     </p:ext>
@@ -120,7 +162,7 @@
 <file path=ppt/revisionInfo.xml><?xml version="1.0" encoding="utf-8"?>
 <p1510:revInfo xmlns:a="http://schemas.openxmlformats.org/drawingml/2006/main" xmlns:r="http://schemas.openxmlformats.org/officeDocument/2006/relationships" xmlns:p1510="http://schemas.microsoft.com/office/powerpoint/2015/10/main">
   <p1510:revLst>
-    <p1510:client id="{94FD8C9F-2DB1-4900-8832-DD192875D22E}" v="1" dt="2023-11-26T03:46:34.596"/>
+    <p1510:client id="{94FD8C9F-2DB1-4900-8832-DD192875D22E}" v="266" dt="2023-11-28T06:27:13.150"/>
   </p1510:revLst>
 </p1510:revInfo>
 </file>
@@ -129,8 +171,8 @@
 <pc:chgInfo xmlns:a="http://schemas.openxmlformats.org/drawingml/2006/main" xmlns:r="http://schemas.openxmlformats.org/officeDocument/2006/relationships" xmlns:ac="http://schemas.microsoft.com/office/drawing/2013/main/command" xmlns:pc="http://schemas.microsoft.com/office/powerpoint/2013/main/command">
   <pc:docChgLst>
     <pc:chgData name="Abhi Sidher" userId="114fc88b5ae695fd" providerId="LiveId" clId="{94FD8C9F-2DB1-4900-8832-DD192875D22E}"/>
-    <pc:docChg chg="addSld modSld">
-      <pc:chgData name="Abhi Sidher" userId="114fc88b5ae695fd" providerId="LiveId" clId="{94FD8C9F-2DB1-4900-8832-DD192875D22E}" dt="2023-11-26T21:09:25.529" v="249" actId="20577"/>
+    <pc:docChg chg="custSel addSld modSld addSection modSection">
+      <pc:chgData name="Abhi Sidher" userId="114fc88b5ae695fd" providerId="LiveId" clId="{94FD8C9F-2DB1-4900-8832-DD192875D22E}" dt="2023-11-29T04:13:38.526" v="634" actId="20577"/>
       <pc:docMkLst>
         <pc:docMk/>
       </pc:docMkLst>
@@ -273,6 +315,316 @@
           </ac:picMkLst>
         </pc:picChg>
       </pc:sldChg>
+      <pc:sldChg chg="addSp delSp modSp new mod">
+        <pc:chgData name="Abhi Sidher" userId="114fc88b5ae695fd" providerId="LiveId" clId="{94FD8C9F-2DB1-4900-8832-DD192875D22E}" dt="2023-11-27T02:32:53.328" v="302" actId="22"/>
+        <pc:sldMkLst>
+          <pc:docMk/>
+          <pc:sldMk cId="2354988037" sldId="262"/>
+        </pc:sldMkLst>
+        <pc:spChg chg="mod">
+          <ac:chgData name="Abhi Sidher" userId="114fc88b5ae695fd" providerId="LiveId" clId="{94FD8C9F-2DB1-4900-8832-DD192875D22E}" dt="2023-11-27T02:32:41.447" v="301" actId="20577"/>
+          <ac:spMkLst>
+            <pc:docMk/>
+            <pc:sldMk cId="2354988037" sldId="262"/>
+            <ac:spMk id="2" creationId="{07EAA782-F8CC-EA72-A8AD-0653AC9B6C0C}"/>
+          </ac:spMkLst>
+        </pc:spChg>
+        <pc:spChg chg="del">
+          <ac:chgData name="Abhi Sidher" userId="114fc88b5ae695fd" providerId="LiveId" clId="{94FD8C9F-2DB1-4900-8832-DD192875D22E}" dt="2023-11-27T02:32:53.328" v="302" actId="22"/>
+          <ac:spMkLst>
+            <pc:docMk/>
+            <pc:sldMk cId="2354988037" sldId="262"/>
+            <ac:spMk id="3" creationId="{5A1109EF-8B58-896C-9F8C-CF3AE0A12605}"/>
+          </ac:spMkLst>
+        </pc:spChg>
+        <pc:picChg chg="add mod ord">
+          <ac:chgData name="Abhi Sidher" userId="114fc88b5ae695fd" providerId="LiveId" clId="{94FD8C9F-2DB1-4900-8832-DD192875D22E}" dt="2023-11-27T02:32:53.328" v="302" actId="22"/>
+          <ac:picMkLst>
+            <pc:docMk/>
+            <pc:sldMk cId="2354988037" sldId="262"/>
+            <ac:picMk id="5" creationId="{8BEFE2DE-97D8-5F6E-989F-0186E48C4EE2}"/>
+          </ac:picMkLst>
+        </pc:picChg>
+      </pc:sldChg>
+      <pc:sldChg chg="addSp delSp modSp new mod">
+        <pc:chgData name="Abhi Sidher" userId="114fc88b5ae695fd" providerId="LiveId" clId="{94FD8C9F-2DB1-4900-8832-DD192875D22E}" dt="2023-11-27T18:16:10.764" v="343" actId="20577"/>
+        <pc:sldMkLst>
+          <pc:docMk/>
+          <pc:sldMk cId="2183812740" sldId="263"/>
+        </pc:sldMkLst>
+        <pc:spChg chg="mod">
+          <ac:chgData name="Abhi Sidher" userId="114fc88b5ae695fd" providerId="LiveId" clId="{94FD8C9F-2DB1-4900-8832-DD192875D22E}" dt="2023-11-27T18:16:10.764" v="343" actId="20577"/>
+          <ac:spMkLst>
+            <pc:docMk/>
+            <pc:sldMk cId="2183812740" sldId="263"/>
+            <ac:spMk id="2" creationId="{6DB5F04C-84F2-E242-CF3A-0D0BE886CCC0}"/>
+          </ac:spMkLst>
+        </pc:spChg>
+        <pc:spChg chg="del">
+          <ac:chgData name="Abhi Sidher" userId="114fc88b5ae695fd" providerId="LiveId" clId="{94FD8C9F-2DB1-4900-8832-DD192875D22E}" dt="2023-11-27T18:15:53.836" v="304" actId="22"/>
+          <ac:spMkLst>
+            <pc:docMk/>
+            <pc:sldMk cId="2183812740" sldId="263"/>
+            <ac:spMk id="3" creationId="{409F3AC5-C25D-EEBE-1D57-D1B331CCE89F}"/>
+          </ac:spMkLst>
+        </pc:spChg>
+        <pc:picChg chg="add mod ord">
+          <ac:chgData name="Abhi Sidher" userId="114fc88b5ae695fd" providerId="LiveId" clId="{94FD8C9F-2DB1-4900-8832-DD192875D22E}" dt="2023-11-27T18:15:53.836" v="304" actId="22"/>
+          <ac:picMkLst>
+            <pc:docMk/>
+            <pc:sldMk cId="2183812740" sldId="263"/>
+            <ac:picMk id="5" creationId="{128ED035-BA2E-234F-6CF6-C8209678F166}"/>
+          </ac:picMkLst>
+        </pc:picChg>
+      </pc:sldChg>
+      <pc:sldChg chg="addSp delSp modSp new mod">
+        <pc:chgData name="Abhi Sidher" userId="114fc88b5ae695fd" providerId="LiveId" clId="{94FD8C9F-2DB1-4900-8832-DD192875D22E}" dt="2023-11-27T18:58:42.794" v="391" actId="20577"/>
+        <pc:sldMkLst>
+          <pc:docMk/>
+          <pc:sldMk cId="1712676289" sldId="264"/>
+        </pc:sldMkLst>
+        <pc:spChg chg="mod">
+          <ac:chgData name="Abhi Sidher" userId="114fc88b5ae695fd" providerId="LiveId" clId="{94FD8C9F-2DB1-4900-8832-DD192875D22E}" dt="2023-11-27T18:58:42.794" v="391" actId="20577"/>
+          <ac:spMkLst>
+            <pc:docMk/>
+            <pc:sldMk cId="1712676289" sldId="264"/>
+            <ac:spMk id="2" creationId="{AB406E5D-ED55-4D66-5C63-3365952FF72F}"/>
+          </ac:spMkLst>
+        </pc:spChg>
+        <pc:spChg chg="del">
+          <ac:chgData name="Abhi Sidher" userId="114fc88b5ae695fd" providerId="LiveId" clId="{94FD8C9F-2DB1-4900-8832-DD192875D22E}" dt="2023-11-27T18:58:26.720" v="345" actId="22"/>
+          <ac:spMkLst>
+            <pc:docMk/>
+            <pc:sldMk cId="1712676289" sldId="264"/>
+            <ac:spMk id="3" creationId="{6AA758AC-EF16-4752-881B-5E0DE7F1626F}"/>
+          </ac:spMkLst>
+        </pc:spChg>
+        <pc:picChg chg="add mod ord">
+          <ac:chgData name="Abhi Sidher" userId="114fc88b5ae695fd" providerId="LiveId" clId="{94FD8C9F-2DB1-4900-8832-DD192875D22E}" dt="2023-11-27T18:58:26.720" v="345" actId="22"/>
+          <ac:picMkLst>
+            <pc:docMk/>
+            <pc:sldMk cId="1712676289" sldId="264"/>
+            <ac:picMk id="5" creationId="{0B3EDA2F-9173-4001-2884-4F6A3452BCF8}"/>
+          </ac:picMkLst>
+        </pc:picChg>
+      </pc:sldChg>
+      <pc:sldChg chg="addSp delSp modSp new mod">
+        <pc:chgData name="Abhi Sidher" userId="114fc88b5ae695fd" providerId="LiveId" clId="{94FD8C9F-2DB1-4900-8832-DD192875D22E}" dt="2023-11-27T19:35:11.536" v="436" actId="22"/>
+        <pc:sldMkLst>
+          <pc:docMk/>
+          <pc:sldMk cId="4213371025" sldId="265"/>
+        </pc:sldMkLst>
+        <pc:spChg chg="mod">
+          <ac:chgData name="Abhi Sidher" userId="114fc88b5ae695fd" providerId="LiveId" clId="{94FD8C9F-2DB1-4900-8832-DD192875D22E}" dt="2023-11-27T19:35:05.370" v="435" actId="20577"/>
+          <ac:spMkLst>
+            <pc:docMk/>
+            <pc:sldMk cId="4213371025" sldId="265"/>
+            <ac:spMk id="2" creationId="{F5DD0BF3-4B54-B589-8AE9-5F69605D107E}"/>
+          </ac:spMkLst>
+        </pc:spChg>
+        <pc:spChg chg="del">
+          <ac:chgData name="Abhi Sidher" userId="114fc88b5ae695fd" providerId="LiveId" clId="{94FD8C9F-2DB1-4900-8832-DD192875D22E}" dt="2023-11-27T19:35:11.536" v="436" actId="22"/>
+          <ac:spMkLst>
+            <pc:docMk/>
+            <pc:sldMk cId="4213371025" sldId="265"/>
+            <ac:spMk id="3" creationId="{7B2A7521-17B2-F133-E486-0368EEE4C272}"/>
+          </ac:spMkLst>
+        </pc:spChg>
+        <pc:picChg chg="add mod ord">
+          <ac:chgData name="Abhi Sidher" userId="114fc88b5ae695fd" providerId="LiveId" clId="{94FD8C9F-2DB1-4900-8832-DD192875D22E}" dt="2023-11-27T19:35:11.536" v="436" actId="22"/>
+          <ac:picMkLst>
+            <pc:docMk/>
+            <pc:sldMk cId="4213371025" sldId="265"/>
+            <ac:picMk id="5" creationId="{1EADB896-B34F-8A45-B761-7CAA7908BBD1}"/>
+          </ac:picMkLst>
+        </pc:picChg>
+      </pc:sldChg>
+      <pc:sldChg chg="addSp delSp modSp new mod">
+        <pc:chgData name="Abhi Sidher" userId="114fc88b5ae695fd" providerId="LiveId" clId="{94FD8C9F-2DB1-4900-8832-DD192875D22E}" dt="2023-11-27T20:09:58.947" v="473" actId="20577"/>
+        <pc:sldMkLst>
+          <pc:docMk/>
+          <pc:sldMk cId="2034844303" sldId="266"/>
+        </pc:sldMkLst>
+        <pc:spChg chg="mod">
+          <ac:chgData name="Abhi Sidher" userId="114fc88b5ae695fd" providerId="LiveId" clId="{94FD8C9F-2DB1-4900-8832-DD192875D22E}" dt="2023-11-27T20:09:58.947" v="473" actId="20577"/>
+          <ac:spMkLst>
+            <pc:docMk/>
+            <pc:sldMk cId="2034844303" sldId="266"/>
+            <ac:spMk id="2" creationId="{52E47B41-3D01-DC1A-7644-A7A97C141178}"/>
+          </ac:spMkLst>
+        </pc:spChg>
+        <pc:spChg chg="del">
+          <ac:chgData name="Abhi Sidher" userId="114fc88b5ae695fd" providerId="LiveId" clId="{94FD8C9F-2DB1-4900-8832-DD192875D22E}" dt="2023-11-27T20:09:43.499" v="438" actId="22"/>
+          <ac:spMkLst>
+            <pc:docMk/>
+            <pc:sldMk cId="2034844303" sldId="266"/>
+            <ac:spMk id="3" creationId="{9377E973-697B-9D2F-38E2-A6FA0682B975}"/>
+          </ac:spMkLst>
+        </pc:spChg>
+        <pc:picChg chg="add mod ord">
+          <ac:chgData name="Abhi Sidher" userId="114fc88b5ae695fd" providerId="LiveId" clId="{94FD8C9F-2DB1-4900-8832-DD192875D22E}" dt="2023-11-27T20:09:43.499" v="438" actId="22"/>
+          <ac:picMkLst>
+            <pc:docMk/>
+            <pc:sldMk cId="2034844303" sldId="266"/>
+            <ac:picMk id="5" creationId="{7A005C51-666C-4B3A-5A2C-413E0DC87BF7}"/>
+          </ac:picMkLst>
+        </pc:picChg>
+      </pc:sldChg>
+      <pc:sldChg chg="addSp delSp modSp new mod">
+        <pc:chgData name="Abhi Sidher" userId="114fc88b5ae695fd" providerId="LiveId" clId="{94FD8C9F-2DB1-4900-8832-DD192875D22E}" dt="2023-11-29T04:13:38.526" v="634" actId="20577"/>
+        <pc:sldMkLst>
+          <pc:docMk/>
+          <pc:sldMk cId="3464131226" sldId="267"/>
+        </pc:sldMkLst>
+        <pc:spChg chg="mod">
+          <ac:chgData name="Abhi Sidher" userId="114fc88b5ae695fd" providerId="LiveId" clId="{94FD8C9F-2DB1-4900-8832-DD192875D22E}" dt="2023-11-29T04:13:38.526" v="634" actId="20577"/>
+          <ac:spMkLst>
+            <pc:docMk/>
+            <pc:sldMk cId="3464131226" sldId="267"/>
+            <ac:spMk id="2" creationId="{FFAD2B49-E04A-CE0C-2012-627DC37922C9}"/>
+          </ac:spMkLst>
+        </pc:spChg>
+        <pc:spChg chg="del">
+          <ac:chgData name="Abhi Sidher" userId="114fc88b5ae695fd" providerId="LiveId" clId="{94FD8C9F-2DB1-4900-8832-DD192875D22E}" dt="2023-11-27T20:47:45.170" v="509" actId="22"/>
+          <ac:spMkLst>
+            <pc:docMk/>
+            <pc:sldMk cId="3464131226" sldId="267"/>
+            <ac:spMk id="3" creationId="{E5893E6D-82FA-4A9F-0EA6-91DBE955C842}"/>
+          </ac:spMkLst>
+        </pc:spChg>
+        <pc:picChg chg="add mod ord">
+          <ac:chgData name="Abhi Sidher" userId="114fc88b5ae695fd" providerId="LiveId" clId="{94FD8C9F-2DB1-4900-8832-DD192875D22E}" dt="2023-11-27T20:47:45.170" v="509" actId="22"/>
+          <ac:picMkLst>
+            <pc:docMk/>
+            <pc:sldMk cId="3464131226" sldId="267"/>
+            <ac:picMk id="5" creationId="{33252443-4CBE-23E7-FE1E-E6DCB07DE1D6}"/>
+          </ac:picMkLst>
+        </pc:picChg>
+      </pc:sldChg>
+      <pc:sldChg chg="addSp delSp modSp new mod">
+        <pc:chgData name="Abhi Sidher" userId="114fc88b5ae695fd" providerId="LiveId" clId="{94FD8C9F-2DB1-4900-8832-DD192875D22E}" dt="2023-11-27T23:03:35.521" v="545" actId="20577"/>
+        <pc:sldMkLst>
+          <pc:docMk/>
+          <pc:sldMk cId="2312080147" sldId="268"/>
+        </pc:sldMkLst>
+        <pc:spChg chg="mod">
+          <ac:chgData name="Abhi Sidher" userId="114fc88b5ae695fd" providerId="LiveId" clId="{94FD8C9F-2DB1-4900-8832-DD192875D22E}" dt="2023-11-27T23:03:35.521" v="545" actId="20577"/>
+          <ac:spMkLst>
+            <pc:docMk/>
+            <pc:sldMk cId="2312080147" sldId="268"/>
+            <ac:spMk id="2" creationId="{054598BD-D092-39FC-6B88-2B3C77AE22C7}"/>
+          </ac:spMkLst>
+        </pc:spChg>
+        <pc:spChg chg="del">
+          <ac:chgData name="Abhi Sidher" userId="114fc88b5ae695fd" providerId="LiveId" clId="{94FD8C9F-2DB1-4900-8832-DD192875D22E}" dt="2023-11-27T23:03:25.618" v="511" actId="22"/>
+          <ac:spMkLst>
+            <pc:docMk/>
+            <pc:sldMk cId="2312080147" sldId="268"/>
+            <ac:spMk id="3" creationId="{47F6641F-FEE7-C460-AD96-BFADAE88928E}"/>
+          </ac:spMkLst>
+        </pc:spChg>
+        <pc:picChg chg="add mod ord">
+          <ac:chgData name="Abhi Sidher" userId="114fc88b5ae695fd" providerId="LiveId" clId="{94FD8C9F-2DB1-4900-8832-DD192875D22E}" dt="2023-11-27T23:03:25.618" v="511" actId="22"/>
+          <ac:picMkLst>
+            <pc:docMk/>
+            <pc:sldMk cId="2312080147" sldId="268"/>
+            <ac:picMk id="5" creationId="{8DED7CCE-5CFA-2AD3-08C9-E5598523E3C2}"/>
+          </ac:picMkLst>
+        </pc:picChg>
+      </pc:sldChg>
+      <pc:sldChg chg="addSp delSp modSp new mod">
+        <pc:chgData name="Abhi Sidher" userId="114fc88b5ae695fd" providerId="LiveId" clId="{94FD8C9F-2DB1-4900-8832-DD192875D22E}" dt="2023-11-29T04:13:34.376" v="629" actId="20577"/>
+        <pc:sldMkLst>
+          <pc:docMk/>
+          <pc:sldMk cId="50329788" sldId="269"/>
+        </pc:sldMkLst>
+        <pc:spChg chg="mod">
+          <ac:chgData name="Abhi Sidher" userId="114fc88b5ae695fd" providerId="LiveId" clId="{94FD8C9F-2DB1-4900-8832-DD192875D22E}" dt="2023-11-29T04:13:34.376" v="629" actId="20577"/>
+          <ac:spMkLst>
+            <pc:docMk/>
+            <pc:sldMk cId="50329788" sldId="269"/>
+            <ac:spMk id="2" creationId="{53AAA81B-2C9B-7D71-AA46-24DA0BF542E4}"/>
+          </ac:spMkLst>
+        </pc:spChg>
+        <pc:spChg chg="del">
+          <ac:chgData name="Abhi Sidher" userId="114fc88b5ae695fd" providerId="LiveId" clId="{94FD8C9F-2DB1-4900-8832-DD192875D22E}" dt="2023-11-28T06:26:48.468" v="547" actId="22"/>
+          <ac:spMkLst>
+            <pc:docMk/>
+            <pc:sldMk cId="50329788" sldId="269"/>
+            <ac:spMk id="3" creationId="{562EEF0B-0710-CB15-69F0-EBD9CDA854A4}"/>
+          </ac:spMkLst>
+        </pc:spChg>
+        <pc:picChg chg="add mod ord">
+          <ac:chgData name="Abhi Sidher" userId="114fc88b5ae695fd" providerId="LiveId" clId="{94FD8C9F-2DB1-4900-8832-DD192875D22E}" dt="2023-11-28T06:26:48.468" v="547" actId="22"/>
+          <ac:picMkLst>
+            <pc:docMk/>
+            <pc:sldMk cId="50329788" sldId="269"/>
+            <ac:picMk id="5" creationId="{91496F01-4D45-7856-D041-4CEFA420FD62}"/>
+          </ac:picMkLst>
+        </pc:picChg>
+      </pc:sldChg>
+      <pc:sldChg chg="addSp delSp modSp new mod">
+        <pc:chgData name="Abhi Sidher" userId="114fc88b5ae695fd" providerId="LiveId" clId="{94FD8C9F-2DB1-4900-8832-DD192875D22E}" dt="2023-11-28T17:40:13.324" v="593" actId="20577"/>
+        <pc:sldMkLst>
+          <pc:docMk/>
+          <pc:sldMk cId="2622359012" sldId="270"/>
+        </pc:sldMkLst>
+        <pc:spChg chg="mod">
+          <ac:chgData name="Abhi Sidher" userId="114fc88b5ae695fd" providerId="LiveId" clId="{94FD8C9F-2DB1-4900-8832-DD192875D22E}" dt="2023-11-28T17:40:13.324" v="593" actId="20577"/>
+          <ac:spMkLst>
+            <pc:docMk/>
+            <pc:sldMk cId="2622359012" sldId="270"/>
+            <ac:spMk id="2" creationId="{64892844-91C7-1394-4206-E3DC5740BE08}"/>
+          </ac:spMkLst>
+        </pc:spChg>
+        <pc:spChg chg="del">
+          <ac:chgData name="Abhi Sidher" userId="114fc88b5ae695fd" providerId="LiveId" clId="{94FD8C9F-2DB1-4900-8832-DD192875D22E}" dt="2023-11-28T17:40:01.750" v="564" actId="22"/>
+          <ac:spMkLst>
+            <pc:docMk/>
+            <pc:sldMk cId="2622359012" sldId="270"/>
+            <ac:spMk id="3" creationId="{6C558DD2-7819-AA9A-8D83-96673D53B4D9}"/>
+          </ac:spMkLst>
+        </pc:spChg>
+        <pc:picChg chg="add mod ord">
+          <ac:chgData name="Abhi Sidher" userId="114fc88b5ae695fd" providerId="LiveId" clId="{94FD8C9F-2DB1-4900-8832-DD192875D22E}" dt="2023-11-28T17:40:01.750" v="564" actId="22"/>
+          <ac:picMkLst>
+            <pc:docMk/>
+            <pc:sldMk cId="2622359012" sldId="270"/>
+            <ac:picMk id="5" creationId="{E72B8CD3-2C31-ADCF-E2E1-D3CEF66CFF9C}"/>
+          </ac:picMkLst>
+        </pc:picChg>
+      </pc:sldChg>
+      <pc:sldChg chg="addSp delSp modSp new mod">
+        <pc:chgData name="Abhi Sidher" userId="114fc88b5ae695fd" providerId="LiveId" clId="{94FD8C9F-2DB1-4900-8832-DD192875D22E}" dt="2023-11-29T03:54:19.825" v="624" actId="20577"/>
+        <pc:sldMkLst>
+          <pc:docMk/>
+          <pc:sldMk cId="2077843394" sldId="271"/>
+        </pc:sldMkLst>
+        <pc:spChg chg="mod">
+          <ac:chgData name="Abhi Sidher" userId="114fc88b5ae695fd" providerId="LiveId" clId="{94FD8C9F-2DB1-4900-8832-DD192875D22E}" dt="2023-11-29T03:54:19.825" v="624" actId="20577"/>
+          <ac:spMkLst>
+            <pc:docMk/>
+            <pc:sldMk cId="2077843394" sldId="271"/>
+            <ac:spMk id="2" creationId="{B401D39F-6C8F-C7F4-F1CC-1852C11761F8}"/>
+          </ac:spMkLst>
+        </pc:spChg>
+        <pc:spChg chg="del">
+          <ac:chgData name="Abhi Sidher" userId="114fc88b5ae695fd" providerId="LiveId" clId="{94FD8C9F-2DB1-4900-8832-DD192875D22E}" dt="2023-11-29T03:54:11.311" v="595" actId="22"/>
+          <ac:spMkLst>
+            <pc:docMk/>
+            <pc:sldMk cId="2077843394" sldId="271"/>
+            <ac:spMk id="3" creationId="{8D1998CE-2D75-18B7-2879-C39DED91FCA5}"/>
+          </ac:spMkLst>
+        </pc:spChg>
+        <pc:picChg chg="add mod ord">
+          <ac:chgData name="Abhi Sidher" userId="114fc88b5ae695fd" providerId="LiveId" clId="{94FD8C9F-2DB1-4900-8832-DD192875D22E}" dt="2023-11-29T03:54:11.311" v="595" actId="22"/>
+          <ac:picMkLst>
+            <pc:docMk/>
+            <pc:sldMk cId="2077843394" sldId="271"/>
+            <ac:picMk id="5" creationId="{9DF5481E-0292-6033-9DAC-824B8B7EC249}"/>
+          </ac:picMkLst>
+        </pc:picChg>
+      </pc:sldChg>
     </pc:docChg>
   </pc:docChgLst>
 </pc:chgInfo>
@@ -425,7 +777,7 @@
           <a:p>
             <a:fld id="{80283EB8-2D18-4FC6-ADD2-BB9FDCECD855}" type="datetimeFigureOut">
               <a:rPr lang="en-US" smtClean="0"/>
-              <a:t>11/25/2023</a:t>
+              <a:t>11/28/2023</a:t>
             </a:fld>
             <a:endParaRPr lang="en-US"/>
           </a:p>
@@ -623,7 +975,7 @@
           <a:p>
             <a:fld id="{80283EB8-2D18-4FC6-ADD2-BB9FDCECD855}" type="datetimeFigureOut">
               <a:rPr lang="en-US" smtClean="0"/>
-              <a:t>11/25/2023</a:t>
+              <a:t>11/28/2023</a:t>
             </a:fld>
             <a:endParaRPr lang="en-US"/>
           </a:p>
@@ -831,7 +1183,7 @@
           <a:p>
             <a:fld id="{80283EB8-2D18-4FC6-ADD2-BB9FDCECD855}" type="datetimeFigureOut">
               <a:rPr lang="en-US" smtClean="0"/>
-              <a:t>11/25/2023</a:t>
+              <a:t>11/28/2023</a:t>
             </a:fld>
             <a:endParaRPr lang="en-US"/>
           </a:p>
@@ -1029,7 +1381,7 @@
           <a:p>
             <a:fld id="{80283EB8-2D18-4FC6-ADD2-BB9FDCECD855}" type="datetimeFigureOut">
               <a:rPr lang="en-US" smtClean="0"/>
-              <a:t>11/25/2023</a:t>
+              <a:t>11/28/2023</a:t>
             </a:fld>
             <a:endParaRPr lang="en-US"/>
           </a:p>
@@ -1304,7 +1656,7 @@
           <a:p>
             <a:fld id="{80283EB8-2D18-4FC6-ADD2-BB9FDCECD855}" type="datetimeFigureOut">
               <a:rPr lang="en-US" smtClean="0"/>
-              <a:t>11/25/2023</a:t>
+              <a:t>11/28/2023</a:t>
             </a:fld>
             <a:endParaRPr lang="en-US"/>
           </a:p>
@@ -1569,7 +1921,7 @@
           <a:p>
             <a:fld id="{80283EB8-2D18-4FC6-ADD2-BB9FDCECD855}" type="datetimeFigureOut">
               <a:rPr lang="en-US" smtClean="0"/>
-              <a:t>11/25/2023</a:t>
+              <a:t>11/28/2023</a:t>
             </a:fld>
             <a:endParaRPr lang="en-US"/>
           </a:p>
@@ -1981,7 +2333,7 @@
           <a:p>
             <a:fld id="{80283EB8-2D18-4FC6-ADD2-BB9FDCECD855}" type="datetimeFigureOut">
               <a:rPr lang="en-US" smtClean="0"/>
-              <a:t>11/25/2023</a:t>
+              <a:t>11/28/2023</a:t>
             </a:fld>
             <a:endParaRPr lang="en-US"/>
           </a:p>
@@ -2122,7 +2474,7 @@
           <a:p>
             <a:fld id="{80283EB8-2D18-4FC6-ADD2-BB9FDCECD855}" type="datetimeFigureOut">
               <a:rPr lang="en-US" smtClean="0"/>
-              <a:t>11/25/2023</a:t>
+              <a:t>11/28/2023</a:t>
             </a:fld>
             <a:endParaRPr lang="en-US"/>
           </a:p>
@@ -2235,7 +2587,7 @@
           <a:p>
             <a:fld id="{80283EB8-2D18-4FC6-ADD2-BB9FDCECD855}" type="datetimeFigureOut">
               <a:rPr lang="en-US" smtClean="0"/>
-              <a:t>11/25/2023</a:t>
+              <a:t>11/28/2023</a:t>
             </a:fld>
             <a:endParaRPr lang="en-US"/>
           </a:p>
@@ -2546,7 +2898,7 @@
           <a:p>
             <a:fld id="{80283EB8-2D18-4FC6-ADD2-BB9FDCECD855}" type="datetimeFigureOut">
               <a:rPr lang="en-US" smtClean="0"/>
-              <a:t>11/25/2023</a:t>
+              <a:t>11/28/2023</a:t>
             </a:fld>
             <a:endParaRPr lang="en-US"/>
           </a:p>
@@ -2834,7 +3186,7 @@
           <a:p>
             <a:fld id="{80283EB8-2D18-4FC6-ADD2-BB9FDCECD855}" type="datetimeFigureOut">
               <a:rPr lang="en-US" smtClean="0"/>
-              <a:t>11/25/2023</a:t>
+              <a:t>11/28/2023</a:t>
             </a:fld>
             <a:endParaRPr lang="en-US"/>
           </a:p>
@@ -3075,7 +3427,7 @@
           <a:p>
             <a:fld id="{80283EB8-2D18-4FC6-ADD2-BB9FDCECD855}" type="datetimeFigureOut">
               <a:rPr lang="en-US" smtClean="0"/>
-              <a:t>11/25/2023</a:t>
+              <a:t>11/28/2023</a:t>
             </a:fld>
             <a:endParaRPr lang="en-US"/>
           </a:p>
@@ -3555,6 +3907,647 @@
 </p:sld>
 </file>
 
+<file path=ppt/slides/slide10.xml><?xml version="1.0" encoding="utf-8"?>
+<p:sld xmlns:a="http://schemas.openxmlformats.org/drawingml/2006/main" xmlns:r="http://schemas.openxmlformats.org/officeDocument/2006/relationships" xmlns:p="http://schemas.openxmlformats.org/presentationml/2006/main">
+  <p:cSld>
+    <p:spTree>
+      <p:nvGrpSpPr>
+        <p:cNvPr id="1" name=""/>
+        <p:cNvGrpSpPr/>
+        <p:nvPr/>
+      </p:nvGrpSpPr>
+      <p:grpSpPr>
+        <a:xfrm>
+          <a:off x="0" y="0"/>
+          <a:ext cx="0" cy="0"/>
+          <a:chOff x="0" y="0"/>
+          <a:chExt cx="0" cy="0"/>
+        </a:xfrm>
+      </p:grpSpPr>
+      <p:sp>
+        <p:nvSpPr>
+          <p:cNvPr id="2" name="Title 1">
+            <a:extLst>
+              <a:ext uri="{FF2B5EF4-FFF2-40B4-BE49-F238E27FC236}">
+                <a16:creationId xmlns:a16="http://schemas.microsoft.com/office/drawing/2014/main" id="{AB406E5D-ED55-4D66-5C63-3365952FF72F}"/>
+              </a:ext>
+            </a:extLst>
+          </p:cNvPr>
+          <p:cNvSpPr>
+            <a:spLocks noGrp="1"/>
+          </p:cNvSpPr>
+          <p:nvPr>
+            <p:ph type="title"/>
+          </p:nvPr>
+        </p:nvSpPr>
+        <p:spPr/>
+        <p:txBody>
+          <a:bodyPr/>
+          <a:lstStyle/>
+          <a:p>
+            <a:r>
+              <a:rPr lang="en-US"/>
+              <a:t>No Horizontal Flip, or Rand Rot, SGD</a:t>
+            </a:r>
+          </a:p>
+        </p:txBody>
+      </p:sp>
+      <p:pic>
+        <p:nvPicPr>
+          <p:cNvPr id="5" name="Content Placeholder 4">
+            <a:extLst>
+              <a:ext uri="{FF2B5EF4-FFF2-40B4-BE49-F238E27FC236}">
+                <a16:creationId xmlns:a16="http://schemas.microsoft.com/office/drawing/2014/main" id="{0B3EDA2F-9173-4001-2884-4F6A3452BCF8}"/>
+              </a:ext>
+            </a:extLst>
+          </p:cNvPr>
+          <p:cNvPicPr>
+            <a:picLocks noGrp="1" noChangeAspect="1"/>
+          </p:cNvPicPr>
+          <p:nvPr>
+            <p:ph idx="1"/>
+          </p:nvPr>
+        </p:nvPicPr>
+        <p:blipFill>
+          <a:blip r:embed="rId2"/>
+          <a:stretch>
+            <a:fillRect/>
+          </a:stretch>
+        </p:blipFill>
+        <p:spPr>
+          <a:xfrm>
+            <a:off x="1726286" y="1825625"/>
+            <a:ext cx="8739427" cy="4351338"/>
+          </a:xfrm>
+        </p:spPr>
+      </p:pic>
+    </p:spTree>
+    <p:extLst>
+      <p:ext uri="{BB962C8B-B14F-4D97-AF65-F5344CB8AC3E}">
+        <p14:creationId xmlns:p14="http://schemas.microsoft.com/office/powerpoint/2010/main" val="1712676289"/>
+      </p:ext>
+    </p:extLst>
+  </p:cSld>
+  <p:clrMapOvr>
+    <a:masterClrMapping/>
+  </p:clrMapOvr>
+</p:sld>
+</file>
+
+<file path=ppt/slides/slide11.xml><?xml version="1.0" encoding="utf-8"?>
+<p:sld xmlns:a="http://schemas.openxmlformats.org/drawingml/2006/main" xmlns:r="http://schemas.openxmlformats.org/officeDocument/2006/relationships" xmlns:p="http://schemas.openxmlformats.org/presentationml/2006/main">
+  <p:cSld>
+    <p:spTree>
+      <p:nvGrpSpPr>
+        <p:cNvPr id="1" name=""/>
+        <p:cNvGrpSpPr/>
+        <p:nvPr/>
+      </p:nvGrpSpPr>
+      <p:grpSpPr>
+        <a:xfrm>
+          <a:off x="0" y="0"/>
+          <a:ext cx="0" cy="0"/>
+          <a:chOff x="0" y="0"/>
+          <a:chExt cx="0" cy="0"/>
+        </a:xfrm>
+      </p:grpSpPr>
+      <p:sp>
+        <p:nvSpPr>
+          <p:cNvPr id="2" name="Title 1">
+            <a:extLst>
+              <a:ext uri="{FF2B5EF4-FFF2-40B4-BE49-F238E27FC236}">
+                <a16:creationId xmlns:a16="http://schemas.microsoft.com/office/drawing/2014/main" id="{F5DD0BF3-4B54-B589-8AE9-5F69605D107E}"/>
+              </a:ext>
+            </a:extLst>
+          </p:cNvPr>
+          <p:cNvSpPr>
+            <a:spLocks noGrp="1"/>
+          </p:cNvSpPr>
+          <p:nvPr>
+            <p:ph type="title"/>
+          </p:nvPr>
+        </p:nvSpPr>
+        <p:spPr/>
+        <p:txBody>
+          <a:bodyPr/>
+          <a:lstStyle/>
+          <a:p>
+            <a:r>
+              <a:rPr lang="en-US"/>
+              <a:t>No Horizontal Flip, or Rand Rot, LR 0.00001</a:t>
+            </a:r>
+          </a:p>
+        </p:txBody>
+      </p:sp>
+      <p:pic>
+        <p:nvPicPr>
+          <p:cNvPr id="5" name="Content Placeholder 4">
+            <a:extLst>
+              <a:ext uri="{FF2B5EF4-FFF2-40B4-BE49-F238E27FC236}">
+                <a16:creationId xmlns:a16="http://schemas.microsoft.com/office/drawing/2014/main" id="{1EADB896-B34F-8A45-B761-7CAA7908BBD1}"/>
+              </a:ext>
+            </a:extLst>
+          </p:cNvPr>
+          <p:cNvPicPr>
+            <a:picLocks noGrp="1" noChangeAspect="1"/>
+          </p:cNvPicPr>
+          <p:nvPr>
+            <p:ph idx="1"/>
+          </p:nvPr>
+        </p:nvPicPr>
+        <p:blipFill>
+          <a:blip r:embed="rId2"/>
+          <a:stretch>
+            <a:fillRect/>
+          </a:stretch>
+        </p:blipFill>
+        <p:spPr>
+          <a:xfrm>
+            <a:off x="1726286" y="1825625"/>
+            <a:ext cx="8739427" cy="4351338"/>
+          </a:xfrm>
+        </p:spPr>
+      </p:pic>
+    </p:spTree>
+    <p:extLst>
+      <p:ext uri="{BB962C8B-B14F-4D97-AF65-F5344CB8AC3E}">
+        <p14:creationId xmlns:p14="http://schemas.microsoft.com/office/powerpoint/2010/main" val="4213371025"/>
+      </p:ext>
+    </p:extLst>
+  </p:cSld>
+  <p:clrMapOvr>
+    <a:masterClrMapping/>
+  </p:clrMapOvr>
+</p:sld>
+</file>
+
+<file path=ppt/slides/slide12.xml><?xml version="1.0" encoding="utf-8"?>
+<p:sld xmlns:a="http://schemas.openxmlformats.org/drawingml/2006/main" xmlns:r="http://schemas.openxmlformats.org/officeDocument/2006/relationships" xmlns:p="http://schemas.openxmlformats.org/presentationml/2006/main">
+  <p:cSld>
+    <p:spTree>
+      <p:nvGrpSpPr>
+        <p:cNvPr id="1" name=""/>
+        <p:cNvGrpSpPr/>
+        <p:nvPr/>
+      </p:nvGrpSpPr>
+      <p:grpSpPr>
+        <a:xfrm>
+          <a:off x="0" y="0"/>
+          <a:ext cx="0" cy="0"/>
+          <a:chOff x="0" y="0"/>
+          <a:chExt cx="0" cy="0"/>
+        </a:xfrm>
+      </p:grpSpPr>
+      <p:sp>
+        <p:nvSpPr>
+          <p:cNvPr id="2" name="Title 1">
+            <a:extLst>
+              <a:ext uri="{FF2B5EF4-FFF2-40B4-BE49-F238E27FC236}">
+                <a16:creationId xmlns:a16="http://schemas.microsoft.com/office/drawing/2014/main" id="{52E47B41-3D01-DC1A-7644-A7A97C141178}"/>
+              </a:ext>
+            </a:extLst>
+          </p:cNvPr>
+          <p:cNvSpPr>
+            <a:spLocks noGrp="1"/>
+          </p:cNvSpPr>
+          <p:nvPr>
+            <p:ph type="title"/>
+          </p:nvPr>
+        </p:nvSpPr>
+        <p:spPr/>
+        <p:txBody>
+          <a:bodyPr/>
+          <a:lstStyle/>
+          <a:p>
+            <a:r>
+              <a:rPr lang="en-US"/>
+              <a:t>No Horizontal Flip, or Rand Rot</a:t>
+            </a:r>
+          </a:p>
+        </p:txBody>
+      </p:sp>
+      <p:pic>
+        <p:nvPicPr>
+          <p:cNvPr id="5" name="Content Placeholder 4">
+            <a:extLst>
+              <a:ext uri="{FF2B5EF4-FFF2-40B4-BE49-F238E27FC236}">
+                <a16:creationId xmlns:a16="http://schemas.microsoft.com/office/drawing/2014/main" id="{7A005C51-666C-4B3A-5A2C-413E0DC87BF7}"/>
+              </a:ext>
+            </a:extLst>
+          </p:cNvPr>
+          <p:cNvPicPr>
+            <a:picLocks noGrp="1" noChangeAspect="1"/>
+          </p:cNvPicPr>
+          <p:nvPr>
+            <p:ph idx="1"/>
+          </p:nvPr>
+        </p:nvPicPr>
+        <p:blipFill>
+          <a:blip r:embed="rId2"/>
+          <a:stretch>
+            <a:fillRect/>
+          </a:stretch>
+        </p:blipFill>
+        <p:spPr>
+          <a:xfrm>
+            <a:off x="1726286" y="1825625"/>
+            <a:ext cx="8739427" cy="4351338"/>
+          </a:xfrm>
+        </p:spPr>
+      </p:pic>
+    </p:spTree>
+    <p:extLst>
+      <p:ext uri="{BB962C8B-B14F-4D97-AF65-F5344CB8AC3E}">
+        <p14:creationId xmlns:p14="http://schemas.microsoft.com/office/powerpoint/2010/main" val="2034844303"/>
+      </p:ext>
+    </p:extLst>
+  </p:cSld>
+  <p:clrMapOvr>
+    <a:masterClrMapping/>
+  </p:clrMapOvr>
+</p:sld>
+</file>
+
+<file path=ppt/slides/slide13.xml><?xml version="1.0" encoding="utf-8"?>
+<p:sld xmlns:a="http://schemas.openxmlformats.org/drawingml/2006/main" xmlns:r="http://schemas.openxmlformats.org/officeDocument/2006/relationships" xmlns:p="http://schemas.openxmlformats.org/presentationml/2006/main">
+  <p:cSld>
+    <p:spTree>
+      <p:nvGrpSpPr>
+        <p:cNvPr id="1" name=""/>
+        <p:cNvGrpSpPr/>
+        <p:nvPr/>
+      </p:nvGrpSpPr>
+      <p:grpSpPr>
+        <a:xfrm>
+          <a:off x="0" y="0"/>
+          <a:ext cx="0" cy="0"/>
+          <a:chOff x="0" y="0"/>
+          <a:chExt cx="0" cy="0"/>
+        </a:xfrm>
+      </p:grpSpPr>
+      <p:sp>
+        <p:nvSpPr>
+          <p:cNvPr id="2" name="Title 1">
+            <a:extLst>
+              <a:ext uri="{FF2B5EF4-FFF2-40B4-BE49-F238E27FC236}">
+                <a16:creationId xmlns:a16="http://schemas.microsoft.com/office/drawing/2014/main" id="{FFAD2B49-E04A-CE0C-2012-627DC37922C9}"/>
+              </a:ext>
+            </a:extLst>
+          </p:cNvPr>
+          <p:cNvSpPr>
+            <a:spLocks noGrp="1"/>
+          </p:cNvSpPr>
+          <p:nvPr>
+            <p:ph type="title"/>
+          </p:nvPr>
+        </p:nvSpPr>
+        <p:spPr/>
+        <p:txBody>
+          <a:bodyPr/>
+          <a:lstStyle/>
+          <a:p>
+            <a:r>
+              <a:rPr lang="en-US" dirty="0"/>
+              <a:t>No </a:t>
+            </a:r>
+            <a:r>
+              <a:rPr lang="en-US" dirty="0" err="1"/>
+              <a:t>Horiz</a:t>
+            </a:r>
+            <a:r>
+              <a:rPr lang="en-US" dirty="0"/>
+              <a:t> Flip, or Rand Rot</a:t>
+            </a:r>
+          </a:p>
+        </p:txBody>
+      </p:sp>
+      <p:pic>
+        <p:nvPicPr>
+          <p:cNvPr id="5" name="Content Placeholder 4">
+            <a:extLst>
+              <a:ext uri="{FF2B5EF4-FFF2-40B4-BE49-F238E27FC236}">
+                <a16:creationId xmlns:a16="http://schemas.microsoft.com/office/drawing/2014/main" id="{33252443-4CBE-23E7-FE1E-E6DCB07DE1D6}"/>
+              </a:ext>
+            </a:extLst>
+          </p:cNvPr>
+          <p:cNvPicPr>
+            <a:picLocks noGrp="1" noChangeAspect="1"/>
+          </p:cNvPicPr>
+          <p:nvPr>
+            <p:ph idx="1"/>
+          </p:nvPr>
+        </p:nvPicPr>
+        <p:blipFill>
+          <a:blip r:embed="rId2"/>
+          <a:stretch>
+            <a:fillRect/>
+          </a:stretch>
+        </p:blipFill>
+        <p:spPr>
+          <a:xfrm>
+            <a:off x="1726286" y="1825625"/>
+            <a:ext cx="8739427" cy="4351338"/>
+          </a:xfrm>
+        </p:spPr>
+      </p:pic>
+    </p:spTree>
+    <p:extLst>
+      <p:ext uri="{BB962C8B-B14F-4D97-AF65-F5344CB8AC3E}">
+        <p14:creationId xmlns:p14="http://schemas.microsoft.com/office/powerpoint/2010/main" val="3464131226"/>
+      </p:ext>
+    </p:extLst>
+  </p:cSld>
+  <p:clrMapOvr>
+    <a:masterClrMapping/>
+  </p:clrMapOvr>
+</p:sld>
+</file>
+
+<file path=ppt/slides/slide14.xml><?xml version="1.0" encoding="utf-8"?>
+<p:sld xmlns:a="http://schemas.openxmlformats.org/drawingml/2006/main" xmlns:r="http://schemas.openxmlformats.org/officeDocument/2006/relationships" xmlns:p="http://schemas.openxmlformats.org/presentationml/2006/main">
+  <p:cSld>
+    <p:spTree>
+      <p:nvGrpSpPr>
+        <p:cNvPr id="1" name=""/>
+        <p:cNvGrpSpPr/>
+        <p:nvPr/>
+      </p:nvGrpSpPr>
+      <p:grpSpPr>
+        <a:xfrm>
+          <a:off x="0" y="0"/>
+          <a:ext cx="0" cy="0"/>
+          <a:chOff x="0" y="0"/>
+          <a:chExt cx="0" cy="0"/>
+        </a:xfrm>
+      </p:grpSpPr>
+      <p:sp>
+        <p:nvSpPr>
+          <p:cNvPr id="2" name="Title 1">
+            <a:extLst>
+              <a:ext uri="{FF2B5EF4-FFF2-40B4-BE49-F238E27FC236}">
+                <a16:creationId xmlns:a16="http://schemas.microsoft.com/office/drawing/2014/main" id="{054598BD-D092-39FC-6B88-2B3C77AE22C7}"/>
+              </a:ext>
+            </a:extLst>
+          </p:cNvPr>
+          <p:cNvSpPr>
+            <a:spLocks noGrp="1"/>
+          </p:cNvSpPr>
+          <p:nvPr>
+            <p:ph type="title"/>
+          </p:nvPr>
+        </p:nvSpPr>
+        <p:spPr/>
+        <p:txBody>
+          <a:bodyPr/>
+          <a:lstStyle/>
+          <a:p>
+            <a:r>
+              <a:rPr lang="en-US"/>
+              <a:t>No </a:t>
+            </a:r>
+            <a:r>
+              <a:rPr lang="en-US" err="1"/>
+              <a:t>Horiz</a:t>
+            </a:r>
+            <a:r>
+              <a:rPr lang="en-US"/>
+              <a:t> Flip, or Rand Rot</a:t>
+            </a:r>
+          </a:p>
+        </p:txBody>
+      </p:sp>
+      <p:pic>
+        <p:nvPicPr>
+          <p:cNvPr id="5" name="Content Placeholder 4">
+            <a:extLst>
+              <a:ext uri="{FF2B5EF4-FFF2-40B4-BE49-F238E27FC236}">
+                <a16:creationId xmlns:a16="http://schemas.microsoft.com/office/drawing/2014/main" id="{8DED7CCE-5CFA-2AD3-08C9-E5598523E3C2}"/>
+              </a:ext>
+            </a:extLst>
+          </p:cNvPr>
+          <p:cNvPicPr>
+            <a:picLocks noGrp="1" noChangeAspect="1"/>
+          </p:cNvPicPr>
+          <p:nvPr>
+            <p:ph idx="1"/>
+          </p:nvPr>
+        </p:nvPicPr>
+        <p:blipFill>
+          <a:blip r:embed="rId2"/>
+          <a:stretch>
+            <a:fillRect/>
+          </a:stretch>
+        </p:blipFill>
+        <p:spPr>
+          <a:xfrm>
+            <a:off x="1726286" y="1825625"/>
+            <a:ext cx="8739427" cy="4351338"/>
+          </a:xfrm>
+        </p:spPr>
+      </p:pic>
+    </p:spTree>
+    <p:extLst>
+      <p:ext uri="{BB962C8B-B14F-4D97-AF65-F5344CB8AC3E}">
+        <p14:creationId xmlns:p14="http://schemas.microsoft.com/office/powerpoint/2010/main" val="2312080147"/>
+      </p:ext>
+    </p:extLst>
+  </p:cSld>
+  <p:clrMapOvr>
+    <a:masterClrMapping/>
+  </p:clrMapOvr>
+</p:sld>
+</file>
+
+<file path=ppt/slides/slide15.xml><?xml version="1.0" encoding="utf-8"?>
+<p:sld xmlns:a="http://schemas.openxmlformats.org/drawingml/2006/main" xmlns:r="http://schemas.openxmlformats.org/officeDocument/2006/relationships" xmlns:p="http://schemas.openxmlformats.org/presentationml/2006/main">
+  <p:cSld>
+    <p:spTree>
+      <p:nvGrpSpPr>
+        <p:cNvPr id="1" name=""/>
+        <p:cNvGrpSpPr/>
+        <p:nvPr/>
+      </p:nvGrpSpPr>
+      <p:grpSpPr>
+        <a:xfrm>
+          <a:off x="0" y="0"/>
+          <a:ext cx="0" cy="0"/>
+          <a:chOff x="0" y="0"/>
+          <a:chExt cx="0" cy="0"/>
+        </a:xfrm>
+      </p:grpSpPr>
+      <p:sp>
+        <p:nvSpPr>
+          <p:cNvPr id="2" name="Title 1">
+            <a:extLst>
+              <a:ext uri="{FF2B5EF4-FFF2-40B4-BE49-F238E27FC236}">
+                <a16:creationId xmlns:a16="http://schemas.microsoft.com/office/drawing/2014/main" id="{53AAA81B-2C9B-7D71-AA46-24DA0BF542E4}"/>
+              </a:ext>
+            </a:extLst>
+          </p:cNvPr>
+          <p:cNvSpPr>
+            <a:spLocks noGrp="1"/>
+          </p:cNvSpPr>
+          <p:nvPr>
+            <p:ph type="title"/>
+          </p:nvPr>
+        </p:nvSpPr>
+        <p:spPr/>
+        <p:txBody>
+          <a:bodyPr/>
+          <a:lstStyle/>
+          <a:p>
+            <a:r>
+              <a:rPr lang="en-US" dirty="0"/>
+              <a:t>No </a:t>
+            </a:r>
+            <a:r>
+              <a:rPr lang="en-US" dirty="0" err="1"/>
+              <a:t>Horiz</a:t>
+            </a:r>
+            <a:r>
+              <a:rPr lang="en-US" dirty="0"/>
+              <a:t> Flip, or Rand Rot</a:t>
+            </a:r>
+          </a:p>
+        </p:txBody>
+      </p:sp>
+      <p:pic>
+        <p:nvPicPr>
+          <p:cNvPr id="5" name="Content Placeholder 4">
+            <a:extLst>
+              <a:ext uri="{FF2B5EF4-FFF2-40B4-BE49-F238E27FC236}">
+                <a16:creationId xmlns:a16="http://schemas.microsoft.com/office/drawing/2014/main" id="{91496F01-4D45-7856-D041-4CEFA420FD62}"/>
+              </a:ext>
+            </a:extLst>
+          </p:cNvPr>
+          <p:cNvPicPr>
+            <a:picLocks noGrp="1" noChangeAspect="1"/>
+          </p:cNvPicPr>
+          <p:nvPr>
+            <p:ph idx="1"/>
+          </p:nvPr>
+        </p:nvPicPr>
+        <p:blipFill>
+          <a:blip r:embed="rId2"/>
+          <a:stretch>
+            <a:fillRect/>
+          </a:stretch>
+        </p:blipFill>
+        <p:spPr>
+          <a:xfrm>
+            <a:off x="1726286" y="1825625"/>
+            <a:ext cx="8739427" cy="4351338"/>
+          </a:xfrm>
+        </p:spPr>
+      </p:pic>
+    </p:spTree>
+    <p:extLst>
+      <p:ext uri="{BB962C8B-B14F-4D97-AF65-F5344CB8AC3E}">
+        <p14:creationId xmlns:p14="http://schemas.microsoft.com/office/powerpoint/2010/main" val="50329788"/>
+      </p:ext>
+    </p:extLst>
+  </p:cSld>
+  <p:clrMapOvr>
+    <a:masterClrMapping/>
+  </p:clrMapOvr>
+</p:sld>
+</file>
+
+<file path=ppt/slides/slide16.xml><?xml version="1.0" encoding="utf-8"?>
+<p:sld xmlns:a="http://schemas.openxmlformats.org/drawingml/2006/main" xmlns:r="http://schemas.openxmlformats.org/officeDocument/2006/relationships" xmlns:p="http://schemas.openxmlformats.org/presentationml/2006/main">
+  <p:cSld>
+    <p:spTree>
+      <p:nvGrpSpPr>
+        <p:cNvPr id="1" name=""/>
+        <p:cNvGrpSpPr/>
+        <p:nvPr/>
+      </p:nvGrpSpPr>
+      <p:grpSpPr>
+        <a:xfrm>
+          <a:off x="0" y="0"/>
+          <a:ext cx="0" cy="0"/>
+          <a:chOff x="0" y="0"/>
+          <a:chExt cx="0" cy="0"/>
+        </a:xfrm>
+      </p:grpSpPr>
+      <p:sp>
+        <p:nvSpPr>
+          <p:cNvPr id="2" name="Title 1">
+            <a:extLst>
+              <a:ext uri="{FF2B5EF4-FFF2-40B4-BE49-F238E27FC236}">
+                <a16:creationId xmlns:a16="http://schemas.microsoft.com/office/drawing/2014/main" id="{B401D39F-6C8F-C7F4-F1CC-1852C11761F8}"/>
+              </a:ext>
+            </a:extLst>
+          </p:cNvPr>
+          <p:cNvSpPr>
+            <a:spLocks noGrp="1"/>
+          </p:cNvSpPr>
+          <p:nvPr>
+            <p:ph type="title"/>
+          </p:nvPr>
+        </p:nvSpPr>
+        <p:spPr/>
+        <p:txBody>
+          <a:bodyPr/>
+          <a:lstStyle/>
+          <a:p>
+            <a:r>
+              <a:rPr lang="en-US" dirty="0"/>
+              <a:t>No </a:t>
+            </a:r>
+            <a:r>
+              <a:rPr lang="en-US" dirty="0" err="1"/>
+              <a:t>Horiz</a:t>
+            </a:r>
+            <a:r>
+              <a:rPr lang="en-US" dirty="0"/>
+              <a:t> Flip or Rand Rot</a:t>
+            </a:r>
+          </a:p>
+        </p:txBody>
+      </p:sp>
+      <p:pic>
+        <p:nvPicPr>
+          <p:cNvPr id="5" name="Content Placeholder 4">
+            <a:extLst>
+              <a:ext uri="{FF2B5EF4-FFF2-40B4-BE49-F238E27FC236}">
+                <a16:creationId xmlns:a16="http://schemas.microsoft.com/office/drawing/2014/main" id="{9DF5481E-0292-6033-9DAC-824B8B7EC249}"/>
+              </a:ext>
+            </a:extLst>
+          </p:cNvPr>
+          <p:cNvPicPr>
+            <a:picLocks noGrp="1" noChangeAspect="1"/>
+          </p:cNvPicPr>
+          <p:nvPr>
+            <p:ph idx="1"/>
+          </p:nvPr>
+        </p:nvPicPr>
+        <p:blipFill>
+          <a:blip r:embed="rId2"/>
+          <a:stretch>
+            <a:fillRect/>
+          </a:stretch>
+        </p:blipFill>
+        <p:spPr>
+          <a:xfrm>
+            <a:off x="1726286" y="1825625"/>
+            <a:ext cx="8739427" cy="4351338"/>
+          </a:xfrm>
+        </p:spPr>
+      </p:pic>
+    </p:spTree>
+    <p:extLst>
+      <p:ext uri="{BB962C8B-B14F-4D97-AF65-F5344CB8AC3E}">
+        <p14:creationId xmlns:p14="http://schemas.microsoft.com/office/powerpoint/2010/main" val="2077843394"/>
+      </p:ext>
+    </p:extLst>
+  </p:cSld>
+  <p:clrMapOvr>
+    <a:masterClrMapping/>
+  </p:clrMapOvr>
+</p:sld>
+</file>
+
 <file path=ppt/slides/slide2.xml><?xml version="1.0" encoding="utf-8"?>
 <p:sld xmlns:a="http://schemas.openxmlformats.org/drawingml/2006/main" xmlns:r="http://schemas.openxmlformats.org/officeDocument/2006/relationships" xmlns:p="http://schemas.openxmlformats.org/presentationml/2006/main">
   <p:cSld>
@@ -3594,14 +4587,14 @@
           <a:lstStyle/>
           <a:p>
             <a:r>
-              <a:rPr lang="en-US" dirty="0"/>
+              <a:rPr lang="en-US"/>
               <a:t>ResNet 50, Batch 128, LR 0.05, Mo 0.9, SGD</a:t>
             </a:r>
             <a:br>
-              <a:rPr lang="en-US" dirty="0"/>
+              <a:rPr lang="en-US"/>
             </a:br>
             <a:r>
-              <a:rPr lang="en-US" dirty="0"/>
+              <a:rPr lang="en-US"/>
               <a:t>20 Epoch</a:t>
             </a:r>
           </a:p>
@@ -3693,7 +4686,7 @@
           <a:lstStyle/>
           <a:p>
             <a:r>
-              <a:rPr lang="en-US" dirty="0"/>
+              <a:rPr lang="en-US"/>
               <a:t>ResNet 50, Batch 64, LR 0.005, Mo 0.9, SGD, 100 Epoch</a:t>
             </a:r>
           </a:p>
@@ -3780,7 +4773,7 @@
           <a:lstStyle/>
           <a:p>
             <a:r>
-              <a:rPr lang="en-US" dirty="0"/>
+              <a:rPr lang="en-US"/>
               <a:t>No Vertical Flip or Random Rotation, Mo 0.5</a:t>
             </a:r>
           </a:p>
@@ -3867,7 +4860,7 @@
           <a:lstStyle/>
           <a:p>
             <a:r>
-              <a:rPr lang="en-US" dirty="0"/>
+              <a:rPr lang="en-US"/>
               <a:t>No Vertical Flip or Rand Rotation, Mo 0.5</a:t>
             </a:r>
           </a:p>
@@ -3954,7 +4947,7 @@
           <a:lstStyle/>
           <a:p>
             <a:r>
-              <a:rPr lang="en-US" dirty="0"/>
+              <a:rPr lang="en-US"/>
               <a:t>No Horizontal Flip or Rand Rotation, Mo 0.5</a:t>
             </a:r>
           </a:p>
@@ -3993,6 +4986,275 @@
     <p:extLst>
       <p:ext uri="{BB962C8B-B14F-4D97-AF65-F5344CB8AC3E}">
         <p14:creationId xmlns:p14="http://schemas.microsoft.com/office/powerpoint/2010/main" val="3056833846"/>
+      </p:ext>
+    </p:extLst>
+  </p:cSld>
+  <p:clrMapOvr>
+    <a:masterClrMapping/>
+  </p:clrMapOvr>
+</p:sld>
+</file>
+
+<file path=ppt/slides/slide7.xml><?xml version="1.0" encoding="utf-8"?>
+<p:sld xmlns:a="http://schemas.openxmlformats.org/drawingml/2006/main" xmlns:r="http://schemas.openxmlformats.org/officeDocument/2006/relationships" xmlns:p="http://schemas.openxmlformats.org/presentationml/2006/main">
+  <p:cSld>
+    <p:spTree>
+      <p:nvGrpSpPr>
+        <p:cNvPr id="1" name=""/>
+        <p:cNvGrpSpPr/>
+        <p:nvPr/>
+      </p:nvGrpSpPr>
+      <p:grpSpPr>
+        <a:xfrm>
+          <a:off x="0" y="0"/>
+          <a:ext cx="0" cy="0"/>
+          <a:chOff x="0" y="0"/>
+          <a:chExt cx="0" cy="0"/>
+        </a:xfrm>
+      </p:grpSpPr>
+      <p:sp>
+        <p:nvSpPr>
+          <p:cNvPr id="2" name="Title 1">
+            <a:extLst>
+              <a:ext uri="{FF2B5EF4-FFF2-40B4-BE49-F238E27FC236}">
+                <a16:creationId xmlns:a16="http://schemas.microsoft.com/office/drawing/2014/main" id="{07EAA782-F8CC-EA72-A8AD-0653AC9B6C0C}"/>
+              </a:ext>
+            </a:extLst>
+          </p:cNvPr>
+          <p:cNvSpPr>
+            <a:spLocks noGrp="1"/>
+          </p:cNvSpPr>
+          <p:nvPr>
+            <p:ph type="title"/>
+          </p:nvPr>
+        </p:nvSpPr>
+        <p:spPr/>
+        <p:txBody>
+          <a:bodyPr/>
+          <a:lstStyle/>
+          <a:p>
+            <a:r>
+              <a:rPr lang="en-US"/>
+              <a:t>No Horizontal Flip or Rand Rot, Adam</a:t>
+            </a:r>
+          </a:p>
+        </p:txBody>
+      </p:sp>
+      <p:pic>
+        <p:nvPicPr>
+          <p:cNvPr id="5" name="Content Placeholder 4">
+            <a:extLst>
+              <a:ext uri="{FF2B5EF4-FFF2-40B4-BE49-F238E27FC236}">
+                <a16:creationId xmlns:a16="http://schemas.microsoft.com/office/drawing/2014/main" id="{8BEFE2DE-97D8-5F6E-989F-0186E48C4EE2}"/>
+              </a:ext>
+            </a:extLst>
+          </p:cNvPr>
+          <p:cNvPicPr>
+            <a:picLocks noGrp="1" noChangeAspect="1"/>
+          </p:cNvPicPr>
+          <p:nvPr>
+            <p:ph idx="1"/>
+          </p:nvPr>
+        </p:nvPicPr>
+        <p:blipFill>
+          <a:blip r:embed="rId2"/>
+          <a:stretch>
+            <a:fillRect/>
+          </a:stretch>
+        </p:blipFill>
+        <p:spPr>
+          <a:xfrm>
+            <a:off x="1726286" y="1825625"/>
+            <a:ext cx="8739427" cy="4351338"/>
+          </a:xfrm>
+        </p:spPr>
+      </p:pic>
+    </p:spTree>
+    <p:extLst>
+      <p:ext uri="{BB962C8B-B14F-4D97-AF65-F5344CB8AC3E}">
+        <p14:creationId xmlns:p14="http://schemas.microsoft.com/office/powerpoint/2010/main" val="2354988037"/>
+      </p:ext>
+    </p:extLst>
+  </p:cSld>
+  <p:clrMapOvr>
+    <a:masterClrMapping/>
+  </p:clrMapOvr>
+</p:sld>
+</file>
+
+<file path=ppt/slides/slide8.xml><?xml version="1.0" encoding="utf-8"?>
+<p:sld xmlns:a="http://schemas.openxmlformats.org/drawingml/2006/main" xmlns:r="http://schemas.openxmlformats.org/officeDocument/2006/relationships" xmlns:p="http://schemas.openxmlformats.org/presentationml/2006/main">
+  <p:cSld>
+    <p:spTree>
+      <p:nvGrpSpPr>
+        <p:cNvPr id="1" name=""/>
+        <p:cNvGrpSpPr/>
+        <p:nvPr/>
+      </p:nvGrpSpPr>
+      <p:grpSpPr>
+        <a:xfrm>
+          <a:off x="0" y="0"/>
+          <a:ext cx="0" cy="0"/>
+          <a:chOff x="0" y="0"/>
+          <a:chExt cx="0" cy="0"/>
+        </a:xfrm>
+      </p:grpSpPr>
+      <p:sp>
+        <p:nvSpPr>
+          <p:cNvPr id="2" name="Title 1">
+            <a:extLst>
+              <a:ext uri="{FF2B5EF4-FFF2-40B4-BE49-F238E27FC236}">
+                <a16:creationId xmlns:a16="http://schemas.microsoft.com/office/drawing/2014/main" id="{64892844-91C7-1394-4206-E3DC5740BE08}"/>
+              </a:ext>
+            </a:extLst>
+          </p:cNvPr>
+          <p:cNvSpPr>
+            <a:spLocks noGrp="1"/>
+          </p:cNvSpPr>
+          <p:nvPr>
+            <p:ph type="title"/>
+          </p:nvPr>
+        </p:nvSpPr>
+        <p:spPr/>
+        <p:txBody>
+          <a:bodyPr/>
+          <a:lstStyle/>
+          <a:p>
+            <a:r>
+              <a:rPr lang="en-US" dirty="0"/>
+              <a:t>No </a:t>
+            </a:r>
+            <a:r>
+              <a:rPr lang="en-US" dirty="0" err="1"/>
+              <a:t>Horiz</a:t>
+            </a:r>
+            <a:r>
+              <a:rPr lang="en-US"/>
+              <a:t> Flip or Rand Rot</a:t>
+            </a:r>
+          </a:p>
+        </p:txBody>
+      </p:sp>
+      <p:pic>
+        <p:nvPicPr>
+          <p:cNvPr id="5" name="Content Placeholder 4">
+            <a:extLst>
+              <a:ext uri="{FF2B5EF4-FFF2-40B4-BE49-F238E27FC236}">
+                <a16:creationId xmlns:a16="http://schemas.microsoft.com/office/drawing/2014/main" id="{E72B8CD3-2C31-ADCF-E2E1-D3CEF66CFF9C}"/>
+              </a:ext>
+            </a:extLst>
+          </p:cNvPr>
+          <p:cNvPicPr>
+            <a:picLocks noGrp="1" noChangeAspect="1"/>
+          </p:cNvPicPr>
+          <p:nvPr>
+            <p:ph idx="1"/>
+          </p:nvPr>
+        </p:nvPicPr>
+        <p:blipFill>
+          <a:blip r:embed="rId2"/>
+          <a:stretch>
+            <a:fillRect/>
+          </a:stretch>
+        </p:blipFill>
+        <p:spPr>
+          <a:xfrm>
+            <a:off x="1726286" y="1825625"/>
+            <a:ext cx="8739427" cy="4351338"/>
+          </a:xfrm>
+        </p:spPr>
+      </p:pic>
+    </p:spTree>
+    <p:extLst>
+      <p:ext uri="{BB962C8B-B14F-4D97-AF65-F5344CB8AC3E}">
+        <p14:creationId xmlns:p14="http://schemas.microsoft.com/office/powerpoint/2010/main" val="2622359012"/>
+      </p:ext>
+    </p:extLst>
+  </p:cSld>
+  <p:clrMapOvr>
+    <a:masterClrMapping/>
+  </p:clrMapOvr>
+</p:sld>
+</file>
+
+<file path=ppt/slides/slide9.xml><?xml version="1.0" encoding="utf-8"?>
+<p:sld xmlns:a="http://schemas.openxmlformats.org/drawingml/2006/main" xmlns:r="http://schemas.openxmlformats.org/officeDocument/2006/relationships" xmlns:p="http://schemas.openxmlformats.org/presentationml/2006/main">
+  <p:cSld>
+    <p:spTree>
+      <p:nvGrpSpPr>
+        <p:cNvPr id="1" name=""/>
+        <p:cNvGrpSpPr/>
+        <p:nvPr/>
+      </p:nvGrpSpPr>
+      <p:grpSpPr>
+        <a:xfrm>
+          <a:off x="0" y="0"/>
+          <a:ext cx="0" cy="0"/>
+          <a:chOff x="0" y="0"/>
+          <a:chExt cx="0" cy="0"/>
+        </a:xfrm>
+      </p:grpSpPr>
+      <p:sp>
+        <p:nvSpPr>
+          <p:cNvPr id="2" name="Title 1">
+            <a:extLst>
+              <a:ext uri="{FF2B5EF4-FFF2-40B4-BE49-F238E27FC236}">
+                <a16:creationId xmlns:a16="http://schemas.microsoft.com/office/drawing/2014/main" id="{6DB5F04C-84F2-E242-CF3A-0D0BE886CCC0}"/>
+              </a:ext>
+            </a:extLst>
+          </p:cNvPr>
+          <p:cNvSpPr>
+            <a:spLocks noGrp="1"/>
+          </p:cNvSpPr>
+          <p:nvPr>
+            <p:ph type="title"/>
+          </p:nvPr>
+        </p:nvSpPr>
+        <p:spPr/>
+        <p:txBody>
+          <a:bodyPr/>
+          <a:lstStyle/>
+          <a:p>
+            <a:r>
+              <a:rPr lang="en-US"/>
+              <a:t>No Horizontal Flip or Rand Rot, Adam</a:t>
+            </a:r>
+          </a:p>
+        </p:txBody>
+      </p:sp>
+      <p:pic>
+        <p:nvPicPr>
+          <p:cNvPr id="5" name="Content Placeholder 4">
+            <a:extLst>
+              <a:ext uri="{FF2B5EF4-FFF2-40B4-BE49-F238E27FC236}">
+                <a16:creationId xmlns:a16="http://schemas.microsoft.com/office/drawing/2014/main" id="{128ED035-BA2E-234F-6CF6-C8209678F166}"/>
+              </a:ext>
+            </a:extLst>
+          </p:cNvPr>
+          <p:cNvPicPr>
+            <a:picLocks noGrp="1" noChangeAspect="1"/>
+          </p:cNvPicPr>
+          <p:nvPr>
+            <p:ph idx="1"/>
+          </p:nvPr>
+        </p:nvPicPr>
+        <p:blipFill>
+          <a:blip r:embed="rId2"/>
+          <a:stretch>
+            <a:fillRect/>
+          </a:stretch>
+        </p:blipFill>
+        <p:spPr>
+          <a:xfrm>
+            <a:off x="1726286" y="1825625"/>
+            <a:ext cx="8739427" cy="4351338"/>
+          </a:xfrm>
+        </p:spPr>
+      </p:pic>
+    </p:spTree>
+    <p:extLst>
+      <p:ext uri="{BB962C8B-B14F-4D97-AF65-F5344CB8AC3E}">
+        <p14:creationId xmlns:p14="http://schemas.microsoft.com/office/powerpoint/2010/main" val="2183812740"/>
       </p:ext>
     </p:extLst>
   </p:cSld>

--- a/History.pptx
+++ b/History.pptx
@@ -21,6 +21,15 @@
     <p:sldId id="268" r:id="rId15"/>
     <p:sldId id="269" r:id="rId16"/>
     <p:sldId id="271" r:id="rId17"/>
+    <p:sldId id="272" r:id="rId18"/>
+    <p:sldId id="273" r:id="rId19"/>
+    <p:sldId id="274" r:id="rId20"/>
+    <p:sldId id="275" r:id="rId21"/>
+    <p:sldId id="276" r:id="rId22"/>
+    <p:sldId id="277" r:id="rId23"/>
+    <p:sldId id="278" r:id="rId24"/>
+    <p:sldId id="279" r:id="rId25"/>
+    <p:sldId id="280" r:id="rId26"/>
   </p:sldIdLst>
   <p:sldSz cx="12192000" cy="6858000"/>
   <p:notesSz cx="6858000" cy="9144000"/>
@@ -148,6 +157,23 @@
             <p14:sldId id="268"/>
             <p14:sldId id="269"/>
             <p14:sldId id="271"/>
+            <p14:sldId id="272"/>
+          </p14:sldIdLst>
+        </p14:section>
+        <p14:section name="KFold Cross Validation" id="{E38D9928-62E4-4E06-B3E5-62542749475F}">
+          <p14:sldIdLst>
+            <p14:sldId id="273"/>
+            <p14:sldId id="274"/>
+            <p14:sldId id="275"/>
+            <p14:sldId id="276"/>
+            <p14:sldId id="277"/>
+            <p14:sldId id="278"/>
+            <p14:sldId id="279"/>
+          </p14:sldIdLst>
+        </p14:section>
+        <p14:section name="Final" id="{40F9F95B-CA78-4D1A-85C5-F563D04FDBB3}">
+          <p14:sldIdLst>
+            <p14:sldId id="280"/>
           </p14:sldIdLst>
         </p14:section>
       </p14:sectionLst>
@@ -162,7 +188,7 @@
 <file path=ppt/revisionInfo.xml><?xml version="1.0" encoding="utf-8"?>
 <p1510:revInfo xmlns:a="http://schemas.openxmlformats.org/drawingml/2006/main" xmlns:r="http://schemas.openxmlformats.org/officeDocument/2006/relationships" xmlns:p1510="http://schemas.microsoft.com/office/powerpoint/2015/10/main">
   <p1510:revLst>
-    <p1510:client id="{94FD8C9F-2DB1-4900-8832-DD192875D22E}" v="266" dt="2023-11-28T06:27:13.150"/>
+    <p1510:client id="{94FD8C9F-2DB1-4900-8832-DD192875D22E}" v="2" dt="2023-12-02T01:25:14.626"/>
   </p1510:revLst>
 </p1510:revInfo>
 </file>
@@ -170,9 +196,72 @@
 <file path=ppt/changesInfos/changesInfo1.xml><?xml version="1.0" encoding="utf-8"?>
 <pc:chgInfo xmlns:a="http://schemas.openxmlformats.org/drawingml/2006/main" xmlns:r="http://schemas.openxmlformats.org/officeDocument/2006/relationships" xmlns:ac="http://schemas.microsoft.com/office/drawing/2013/main/command" xmlns:pc="http://schemas.microsoft.com/office/powerpoint/2013/main/command">
   <pc:docChgLst>
+    <pc:chgData name="Abhi Sidher" userId="114fc88b5ae695fd" providerId="LiveId" clId="{F05733EF-CE40-9D4D-A3CB-7EEEE6F98D4C}"/>
+    <pc:docChg chg="addSld modSld modSection">
+      <pc:chgData name="Abhi Sidher" userId="114fc88b5ae695fd" providerId="LiveId" clId="{F05733EF-CE40-9D4D-A3CB-7EEEE6F98D4C}" dt="2023-12-02T18:34:10.089" v="52" actId="14100"/>
+      <pc:docMkLst>
+        <pc:docMk/>
+      </pc:docMkLst>
+      <pc:sldChg chg="addSp delSp modSp new mod">
+        <pc:chgData name="Abhi Sidher" userId="114fc88b5ae695fd" providerId="LiveId" clId="{F05733EF-CE40-9D4D-A3CB-7EEEE6F98D4C}" dt="2023-11-30T02:51:47.368" v="42" actId="20577"/>
+        <pc:sldMkLst>
+          <pc:docMk/>
+          <pc:sldMk cId="2731887364" sldId="272"/>
+        </pc:sldMkLst>
+        <pc:spChg chg="mod">
+          <ac:chgData name="Abhi Sidher" userId="114fc88b5ae695fd" providerId="LiveId" clId="{F05733EF-CE40-9D4D-A3CB-7EEEE6F98D4C}" dt="2023-11-30T02:51:47.368" v="42" actId="20577"/>
+          <ac:spMkLst>
+            <pc:docMk/>
+            <pc:sldMk cId="2731887364" sldId="272"/>
+            <ac:spMk id="2" creationId="{DE33A763-9116-BCAA-1038-498E492F8B85}"/>
+          </ac:spMkLst>
+        </pc:spChg>
+        <pc:spChg chg="del">
+          <ac:chgData name="Abhi Sidher" userId="114fc88b5ae695fd" providerId="LiveId" clId="{F05733EF-CE40-9D4D-A3CB-7EEEE6F98D4C}" dt="2023-11-30T02:51:35.510" v="1"/>
+          <ac:spMkLst>
+            <pc:docMk/>
+            <pc:sldMk cId="2731887364" sldId="272"/>
+            <ac:spMk id="3" creationId="{AA5AD6D1-EC96-A110-8442-5142B75EA337}"/>
+          </ac:spMkLst>
+        </pc:spChg>
+        <pc:picChg chg="add mod">
+          <ac:chgData name="Abhi Sidher" userId="114fc88b5ae695fd" providerId="LiveId" clId="{F05733EF-CE40-9D4D-A3CB-7EEEE6F98D4C}" dt="2023-11-30T02:51:35.510" v="1"/>
+          <ac:picMkLst>
+            <pc:docMk/>
+            <pc:sldMk cId="2731887364" sldId="272"/>
+            <ac:picMk id="4" creationId="{B7D5EECD-D0B2-FAF7-4C84-0734C886A71D}"/>
+          </ac:picMkLst>
+        </pc:picChg>
+      </pc:sldChg>
+      <pc:sldChg chg="modSp mod">
+        <pc:chgData name="Abhi Sidher" userId="114fc88b5ae695fd" providerId="LiveId" clId="{F05733EF-CE40-9D4D-A3CB-7EEEE6F98D4C}" dt="2023-12-02T18:34:10.089" v="52" actId="14100"/>
+        <pc:sldMkLst>
+          <pc:docMk/>
+          <pc:sldMk cId="1107269720" sldId="279"/>
+        </pc:sldMkLst>
+        <pc:spChg chg="mod">
+          <ac:chgData name="Abhi Sidher" userId="114fc88b5ae695fd" providerId="LiveId" clId="{F05733EF-CE40-9D4D-A3CB-7EEEE6F98D4C}" dt="2023-12-02T18:33:57.572" v="49" actId="20577"/>
+          <ac:spMkLst>
+            <pc:docMk/>
+            <pc:sldMk cId="1107269720" sldId="279"/>
+            <ac:spMk id="8" creationId="{A2492521-A64F-DB76-BB21-1ABA2E48ECFD}"/>
+          </ac:spMkLst>
+        </pc:spChg>
+        <pc:picChg chg="mod">
+          <ac:chgData name="Abhi Sidher" userId="114fc88b5ae695fd" providerId="LiveId" clId="{F05733EF-CE40-9D4D-A3CB-7EEEE6F98D4C}" dt="2023-12-02T18:34:10.089" v="52" actId="14100"/>
+          <ac:picMkLst>
+            <pc:docMk/>
+            <pc:sldMk cId="1107269720" sldId="279"/>
+            <ac:picMk id="12" creationId="{E74B9D75-D570-D0B0-E519-2E1D52AD021B}"/>
+          </ac:picMkLst>
+        </pc:picChg>
+      </pc:sldChg>
+    </pc:docChg>
+  </pc:docChgLst>
+  <pc:docChgLst>
     <pc:chgData name="Abhi Sidher" userId="114fc88b5ae695fd" providerId="LiveId" clId="{94FD8C9F-2DB1-4900-8832-DD192875D22E}"/>
     <pc:docChg chg="custSel addSld modSld addSection modSection">
-      <pc:chgData name="Abhi Sidher" userId="114fc88b5ae695fd" providerId="LiveId" clId="{94FD8C9F-2DB1-4900-8832-DD192875D22E}" dt="2023-11-29T04:13:38.526" v="634" actId="20577"/>
+      <pc:chgData name="Abhi Sidher" userId="114fc88b5ae695fd" providerId="LiveId" clId="{94FD8C9F-2DB1-4900-8832-DD192875D22E}" dt="2023-12-03T00:10:35.470" v="846" actId="17846"/>
       <pc:docMkLst>
         <pc:docMk/>
       </pc:docMkLst>
@@ -622,6 +711,310 @@
             <pc:docMk/>
             <pc:sldMk cId="2077843394" sldId="271"/>
             <ac:picMk id="5" creationId="{9DF5481E-0292-6033-9DAC-824B8B7EC249}"/>
+          </ac:picMkLst>
+        </pc:picChg>
+      </pc:sldChg>
+      <pc:sldChg chg="addSp delSp modSp new mod">
+        <pc:chgData name="Abhi Sidher" userId="114fc88b5ae695fd" providerId="LiveId" clId="{94FD8C9F-2DB1-4900-8832-DD192875D22E}" dt="2023-11-30T06:29:04.124" v="657" actId="22"/>
+        <pc:sldMkLst>
+          <pc:docMk/>
+          <pc:sldMk cId="706701571" sldId="273"/>
+        </pc:sldMkLst>
+        <pc:spChg chg="mod">
+          <ac:chgData name="Abhi Sidher" userId="114fc88b5ae695fd" providerId="LiveId" clId="{94FD8C9F-2DB1-4900-8832-DD192875D22E}" dt="2023-11-30T06:28:54.973" v="656" actId="20577"/>
+          <ac:spMkLst>
+            <pc:docMk/>
+            <pc:sldMk cId="706701571" sldId="273"/>
+            <ac:spMk id="2" creationId="{B8726D0D-2E32-20DD-EDC5-6B1E16547429}"/>
+          </ac:spMkLst>
+        </pc:spChg>
+        <pc:spChg chg="del">
+          <ac:chgData name="Abhi Sidher" userId="114fc88b5ae695fd" providerId="LiveId" clId="{94FD8C9F-2DB1-4900-8832-DD192875D22E}" dt="2023-11-30T06:29:04.124" v="657" actId="22"/>
+          <ac:spMkLst>
+            <pc:docMk/>
+            <pc:sldMk cId="706701571" sldId="273"/>
+            <ac:spMk id="3" creationId="{C77161A1-3538-1AE7-54D2-A8F5B2B3533F}"/>
+          </ac:spMkLst>
+        </pc:spChg>
+        <pc:picChg chg="add mod ord">
+          <ac:chgData name="Abhi Sidher" userId="114fc88b5ae695fd" providerId="LiveId" clId="{94FD8C9F-2DB1-4900-8832-DD192875D22E}" dt="2023-11-30T06:29:04.124" v="657" actId="22"/>
+          <ac:picMkLst>
+            <pc:docMk/>
+            <pc:sldMk cId="706701571" sldId="273"/>
+            <ac:picMk id="5" creationId="{20E02DDB-D260-5882-A553-89A71B43EC63}"/>
+          </ac:picMkLst>
+        </pc:picChg>
+      </pc:sldChg>
+      <pc:sldChg chg="addSp delSp modSp new mod">
+        <pc:chgData name="Abhi Sidher" userId="114fc88b5ae695fd" providerId="LiveId" clId="{94FD8C9F-2DB1-4900-8832-DD192875D22E}" dt="2023-11-30T18:30:27.826" v="686" actId="20577"/>
+        <pc:sldMkLst>
+          <pc:docMk/>
+          <pc:sldMk cId="2811116592" sldId="274"/>
+        </pc:sldMkLst>
+        <pc:spChg chg="mod">
+          <ac:chgData name="Abhi Sidher" userId="114fc88b5ae695fd" providerId="LiveId" clId="{94FD8C9F-2DB1-4900-8832-DD192875D22E}" dt="2023-11-30T18:30:27.826" v="686" actId="20577"/>
+          <ac:spMkLst>
+            <pc:docMk/>
+            <pc:sldMk cId="2811116592" sldId="274"/>
+            <ac:spMk id="2" creationId="{FAD7DE8F-B630-95D6-D7C6-16E6570B78A0}"/>
+          </ac:spMkLst>
+        </pc:spChg>
+        <pc:spChg chg="del">
+          <ac:chgData name="Abhi Sidher" userId="114fc88b5ae695fd" providerId="LiveId" clId="{94FD8C9F-2DB1-4900-8832-DD192875D22E}" dt="2023-11-30T18:30:03.059" v="680" actId="22"/>
+          <ac:spMkLst>
+            <pc:docMk/>
+            <pc:sldMk cId="2811116592" sldId="274"/>
+            <ac:spMk id="3" creationId="{2E7E3450-A83B-5276-09BC-CA1B683A2039}"/>
+          </ac:spMkLst>
+        </pc:spChg>
+        <pc:picChg chg="add mod ord">
+          <ac:chgData name="Abhi Sidher" userId="114fc88b5ae695fd" providerId="LiveId" clId="{94FD8C9F-2DB1-4900-8832-DD192875D22E}" dt="2023-11-30T18:30:03.059" v="680" actId="22"/>
+          <ac:picMkLst>
+            <pc:docMk/>
+            <pc:sldMk cId="2811116592" sldId="274"/>
+            <ac:picMk id="5" creationId="{E7E7CB02-9DE4-8615-EDBC-CBEFC0B3A8CF}"/>
+          </ac:picMkLst>
+        </pc:picChg>
+      </pc:sldChg>
+      <pc:sldChg chg="addSp delSp modSp new mod">
+        <pc:chgData name="Abhi Sidher" userId="114fc88b5ae695fd" providerId="LiveId" clId="{94FD8C9F-2DB1-4900-8832-DD192875D22E}" dt="2023-11-30T23:31:54.545" v="722" actId="20577"/>
+        <pc:sldMkLst>
+          <pc:docMk/>
+          <pc:sldMk cId="2161435304" sldId="275"/>
+        </pc:sldMkLst>
+        <pc:spChg chg="mod">
+          <ac:chgData name="Abhi Sidher" userId="114fc88b5ae695fd" providerId="LiveId" clId="{94FD8C9F-2DB1-4900-8832-DD192875D22E}" dt="2023-11-30T23:31:54.545" v="722" actId="20577"/>
+          <ac:spMkLst>
+            <pc:docMk/>
+            <pc:sldMk cId="2161435304" sldId="275"/>
+            <ac:spMk id="2" creationId="{C1856FFF-F86B-8BA7-617C-73F152DB2D1A}"/>
+          </ac:spMkLst>
+        </pc:spChg>
+        <pc:spChg chg="del">
+          <ac:chgData name="Abhi Sidher" userId="114fc88b5ae695fd" providerId="LiveId" clId="{94FD8C9F-2DB1-4900-8832-DD192875D22E}" dt="2023-11-30T23:31:43.663" v="688" actId="22"/>
+          <ac:spMkLst>
+            <pc:docMk/>
+            <pc:sldMk cId="2161435304" sldId="275"/>
+            <ac:spMk id="3" creationId="{2D3436D0-CA2C-7AEC-DA69-688439929121}"/>
+          </ac:spMkLst>
+        </pc:spChg>
+        <pc:picChg chg="add mod ord">
+          <ac:chgData name="Abhi Sidher" userId="114fc88b5ae695fd" providerId="LiveId" clId="{94FD8C9F-2DB1-4900-8832-DD192875D22E}" dt="2023-11-30T23:31:43.663" v="688" actId="22"/>
+          <ac:picMkLst>
+            <pc:docMk/>
+            <pc:sldMk cId="2161435304" sldId="275"/>
+            <ac:picMk id="5" creationId="{7903E187-5A27-A350-50E0-AE5CFE00B3DB}"/>
+          </ac:picMkLst>
+        </pc:picChg>
+      </pc:sldChg>
+      <pc:sldChg chg="addSp delSp modSp new mod">
+        <pc:chgData name="Abhi Sidher" userId="114fc88b5ae695fd" providerId="LiveId" clId="{94FD8C9F-2DB1-4900-8832-DD192875D22E}" dt="2023-12-01T04:35:20.653" v="785" actId="20577"/>
+        <pc:sldMkLst>
+          <pc:docMk/>
+          <pc:sldMk cId="1019720648" sldId="276"/>
+        </pc:sldMkLst>
+        <pc:spChg chg="mod">
+          <ac:chgData name="Abhi Sidher" userId="114fc88b5ae695fd" providerId="LiveId" clId="{94FD8C9F-2DB1-4900-8832-DD192875D22E}" dt="2023-12-01T04:35:20.653" v="785" actId="20577"/>
+          <ac:spMkLst>
+            <pc:docMk/>
+            <pc:sldMk cId="1019720648" sldId="276"/>
+            <ac:spMk id="2" creationId="{15EBE802-F8A2-C80B-49A3-C42BD92E4778}"/>
+          </ac:spMkLst>
+        </pc:spChg>
+        <pc:spChg chg="del">
+          <ac:chgData name="Abhi Sidher" userId="114fc88b5ae695fd" providerId="LiveId" clId="{94FD8C9F-2DB1-4900-8832-DD192875D22E}" dt="2023-12-01T04:34:48.492" v="724" actId="22"/>
+          <ac:spMkLst>
+            <pc:docMk/>
+            <pc:sldMk cId="1019720648" sldId="276"/>
+            <ac:spMk id="3" creationId="{559E20E1-5961-36DA-0974-7AE494137C37}"/>
+          </ac:spMkLst>
+        </pc:spChg>
+        <pc:picChg chg="add mod ord">
+          <ac:chgData name="Abhi Sidher" userId="114fc88b5ae695fd" providerId="LiveId" clId="{94FD8C9F-2DB1-4900-8832-DD192875D22E}" dt="2023-12-01T04:34:48.492" v="724" actId="22"/>
+          <ac:picMkLst>
+            <pc:docMk/>
+            <pc:sldMk cId="1019720648" sldId="276"/>
+            <ac:picMk id="5" creationId="{BD3008D3-F0B7-B9DC-C8A0-F8B3CFC1C86B}"/>
+          </ac:picMkLst>
+        </pc:picChg>
+      </pc:sldChg>
+      <pc:sldChg chg="addSp delSp modSp new mod">
+        <pc:chgData name="Abhi Sidher" userId="114fc88b5ae695fd" providerId="LiveId" clId="{94FD8C9F-2DB1-4900-8832-DD192875D22E}" dt="2023-12-01T16:43:27.186" v="800" actId="20577"/>
+        <pc:sldMkLst>
+          <pc:docMk/>
+          <pc:sldMk cId="3867019042" sldId="277"/>
+        </pc:sldMkLst>
+        <pc:spChg chg="mod">
+          <ac:chgData name="Abhi Sidher" userId="114fc88b5ae695fd" providerId="LiveId" clId="{94FD8C9F-2DB1-4900-8832-DD192875D22E}" dt="2023-12-01T16:43:27.186" v="800" actId="20577"/>
+          <ac:spMkLst>
+            <pc:docMk/>
+            <pc:sldMk cId="3867019042" sldId="277"/>
+            <ac:spMk id="2" creationId="{52452C9F-97B3-55D9-C872-65486AD62BE3}"/>
+          </ac:spMkLst>
+        </pc:spChg>
+        <pc:spChg chg="del">
+          <ac:chgData name="Abhi Sidher" userId="114fc88b5ae695fd" providerId="LiveId" clId="{94FD8C9F-2DB1-4900-8832-DD192875D22E}" dt="2023-12-01T16:43:04.409" v="787" actId="22"/>
+          <ac:spMkLst>
+            <pc:docMk/>
+            <pc:sldMk cId="3867019042" sldId="277"/>
+            <ac:spMk id="3" creationId="{0A797A6A-A75E-5CC0-0CC3-FAA2F8CEE472}"/>
+          </ac:spMkLst>
+        </pc:spChg>
+        <pc:picChg chg="add mod ord">
+          <ac:chgData name="Abhi Sidher" userId="114fc88b5ae695fd" providerId="LiveId" clId="{94FD8C9F-2DB1-4900-8832-DD192875D22E}" dt="2023-12-01T16:43:04.409" v="787" actId="22"/>
+          <ac:picMkLst>
+            <pc:docMk/>
+            <pc:sldMk cId="3867019042" sldId="277"/>
+            <ac:picMk id="5" creationId="{6A70F94B-890C-1308-3B04-27C81EF999E0}"/>
+          </ac:picMkLst>
+        </pc:picChg>
+      </pc:sldChg>
+      <pc:sldChg chg="addSp delSp modSp new mod">
+        <pc:chgData name="Abhi Sidher" userId="114fc88b5ae695fd" providerId="LiveId" clId="{94FD8C9F-2DB1-4900-8832-DD192875D22E}" dt="2023-12-02T01:25:19.394" v="829" actId="1076"/>
+        <pc:sldMkLst>
+          <pc:docMk/>
+          <pc:sldMk cId="3292577601" sldId="278"/>
+        </pc:sldMkLst>
+        <pc:spChg chg="mod">
+          <ac:chgData name="Abhi Sidher" userId="114fc88b5ae695fd" providerId="LiveId" clId="{94FD8C9F-2DB1-4900-8832-DD192875D22E}" dt="2023-12-02T01:24:57.464" v="827"/>
+          <ac:spMkLst>
+            <pc:docMk/>
+            <pc:sldMk cId="3292577601" sldId="278"/>
+            <ac:spMk id="2" creationId="{B7DFBCD2-3634-2778-7AF0-341C2CDA5A3C}"/>
+          </ac:spMkLst>
+        </pc:spChg>
+        <pc:spChg chg="del">
+          <ac:chgData name="Abhi Sidher" userId="114fc88b5ae695fd" providerId="LiveId" clId="{94FD8C9F-2DB1-4900-8832-DD192875D22E}" dt="2023-12-02T01:23:42.390" v="802" actId="22"/>
+          <ac:spMkLst>
+            <pc:docMk/>
+            <pc:sldMk cId="3292577601" sldId="278"/>
+            <ac:spMk id="3" creationId="{6F9A02DB-A694-C4CC-5C99-61E6FC312686}"/>
+          </ac:spMkLst>
+        </pc:spChg>
+        <pc:spChg chg="add mod">
+          <ac:chgData name="Abhi Sidher" userId="114fc88b5ae695fd" providerId="LiveId" clId="{94FD8C9F-2DB1-4900-8832-DD192875D22E}" dt="2023-12-02T01:25:14.625" v="828" actId="164"/>
+          <ac:spMkLst>
+            <pc:docMk/>
+            <pc:sldMk cId="3292577601" sldId="278"/>
+            <ac:spMk id="8" creationId="{A2492521-A64F-DB76-BB21-1ABA2E48ECFD}"/>
+          </ac:spMkLst>
+        </pc:spChg>
+        <pc:grpChg chg="add mod">
+          <ac:chgData name="Abhi Sidher" userId="114fc88b5ae695fd" providerId="LiveId" clId="{94FD8C9F-2DB1-4900-8832-DD192875D22E}" dt="2023-12-02T01:25:19.394" v="829" actId="1076"/>
+          <ac:grpSpMkLst>
+            <pc:docMk/>
+            <pc:sldMk cId="3292577601" sldId="278"/>
+            <ac:grpSpMk id="9" creationId="{AB99188B-8C0C-AE29-CB96-E605591C7388}"/>
+          </ac:grpSpMkLst>
+        </pc:grpChg>
+        <pc:picChg chg="add mod ord">
+          <ac:chgData name="Abhi Sidher" userId="114fc88b5ae695fd" providerId="LiveId" clId="{94FD8C9F-2DB1-4900-8832-DD192875D22E}" dt="2023-12-02T01:23:42.390" v="802" actId="22"/>
+          <ac:picMkLst>
+            <pc:docMk/>
+            <pc:sldMk cId="3292577601" sldId="278"/>
+            <ac:picMk id="5" creationId="{26C6E42D-7D94-270F-4984-66660C89B78E}"/>
+          </ac:picMkLst>
+        </pc:picChg>
+        <pc:picChg chg="add mod">
+          <ac:chgData name="Abhi Sidher" userId="114fc88b5ae695fd" providerId="LiveId" clId="{94FD8C9F-2DB1-4900-8832-DD192875D22E}" dt="2023-12-02T01:25:14.625" v="828" actId="164"/>
+          <ac:picMkLst>
+            <pc:docMk/>
+            <pc:sldMk cId="3292577601" sldId="278"/>
+            <ac:picMk id="7" creationId="{AA15B80E-AEFB-6D85-7EA6-3DB44E03621D}"/>
+          </ac:picMkLst>
+        </pc:picChg>
+      </pc:sldChg>
+      <pc:sldChg chg="addSp delSp modSp add mod">
+        <pc:chgData name="Abhi Sidher" userId="114fc88b5ae695fd" providerId="LiveId" clId="{94FD8C9F-2DB1-4900-8832-DD192875D22E}" dt="2023-12-02T18:33:06.808" v="834" actId="22"/>
+        <pc:sldMkLst>
+          <pc:docMk/>
+          <pc:sldMk cId="1107269720" sldId="279"/>
+        </pc:sldMkLst>
+        <pc:spChg chg="add del mod">
+          <ac:chgData name="Abhi Sidher" userId="114fc88b5ae695fd" providerId="LiveId" clId="{94FD8C9F-2DB1-4900-8832-DD192875D22E}" dt="2023-12-02T18:31:50.638" v="832" actId="22"/>
+          <ac:spMkLst>
+            <pc:docMk/>
+            <pc:sldMk cId="1107269720" sldId="279"/>
+            <ac:spMk id="4" creationId="{68A81C89-8C70-8696-BAE0-A1D16E635B2F}"/>
+          </ac:spMkLst>
+        </pc:spChg>
+        <pc:spChg chg="topLvl">
+          <ac:chgData name="Abhi Sidher" userId="114fc88b5ae695fd" providerId="LiveId" clId="{94FD8C9F-2DB1-4900-8832-DD192875D22E}" dt="2023-12-02T18:33:05.796" v="833" actId="478"/>
+          <ac:spMkLst>
+            <pc:docMk/>
+            <pc:sldMk cId="1107269720" sldId="279"/>
+            <ac:spMk id="8" creationId="{A2492521-A64F-DB76-BB21-1ABA2E48ECFD}"/>
+          </ac:spMkLst>
+        </pc:spChg>
+        <pc:grpChg chg="del">
+          <ac:chgData name="Abhi Sidher" userId="114fc88b5ae695fd" providerId="LiveId" clId="{94FD8C9F-2DB1-4900-8832-DD192875D22E}" dt="2023-12-02T18:33:05.796" v="833" actId="478"/>
+          <ac:grpSpMkLst>
+            <pc:docMk/>
+            <pc:sldMk cId="1107269720" sldId="279"/>
+            <ac:grpSpMk id="9" creationId="{AB99188B-8C0C-AE29-CB96-E605591C7388}"/>
+          </ac:grpSpMkLst>
+        </pc:grpChg>
+        <pc:picChg chg="del">
+          <ac:chgData name="Abhi Sidher" userId="114fc88b5ae695fd" providerId="LiveId" clId="{94FD8C9F-2DB1-4900-8832-DD192875D22E}" dt="2023-12-02T18:31:46.868" v="831" actId="478"/>
+          <ac:picMkLst>
+            <pc:docMk/>
+            <pc:sldMk cId="1107269720" sldId="279"/>
+            <ac:picMk id="5" creationId="{26C6E42D-7D94-270F-4984-66660C89B78E}"/>
+          </ac:picMkLst>
+        </pc:picChg>
+        <pc:picChg chg="del topLvl">
+          <ac:chgData name="Abhi Sidher" userId="114fc88b5ae695fd" providerId="LiveId" clId="{94FD8C9F-2DB1-4900-8832-DD192875D22E}" dt="2023-12-02T18:33:05.796" v="833" actId="478"/>
+          <ac:picMkLst>
+            <pc:docMk/>
+            <pc:sldMk cId="1107269720" sldId="279"/>
+            <ac:picMk id="7" creationId="{AA15B80E-AEFB-6D85-7EA6-3DB44E03621D}"/>
+          </ac:picMkLst>
+        </pc:picChg>
+        <pc:picChg chg="add mod ord">
+          <ac:chgData name="Abhi Sidher" userId="114fc88b5ae695fd" providerId="LiveId" clId="{94FD8C9F-2DB1-4900-8832-DD192875D22E}" dt="2023-12-02T18:31:50.638" v="832" actId="22"/>
+          <ac:picMkLst>
+            <pc:docMk/>
+            <pc:sldMk cId="1107269720" sldId="279"/>
+            <ac:picMk id="10" creationId="{595DA770-9B52-3A2A-5E0A-3ED66B6B52CB}"/>
+          </ac:picMkLst>
+        </pc:picChg>
+        <pc:picChg chg="add">
+          <ac:chgData name="Abhi Sidher" userId="114fc88b5ae695fd" providerId="LiveId" clId="{94FD8C9F-2DB1-4900-8832-DD192875D22E}" dt="2023-12-02T18:33:06.808" v="834" actId="22"/>
+          <ac:picMkLst>
+            <pc:docMk/>
+            <pc:sldMk cId="1107269720" sldId="279"/>
+            <ac:picMk id="12" creationId="{E74B9D75-D570-D0B0-E519-2E1D52AD021B}"/>
+          </ac:picMkLst>
+        </pc:picChg>
+      </pc:sldChg>
+      <pc:sldChg chg="modSp add mod">
+        <pc:chgData name="Abhi Sidher" userId="114fc88b5ae695fd" providerId="LiveId" clId="{94FD8C9F-2DB1-4900-8832-DD192875D22E}" dt="2023-12-03T00:09:54.692" v="844" actId="20577"/>
+        <pc:sldMkLst>
+          <pc:docMk/>
+          <pc:sldMk cId="3620684738" sldId="280"/>
+        </pc:sldMkLst>
+        <pc:spChg chg="mod">
+          <ac:chgData name="Abhi Sidher" userId="114fc88b5ae695fd" providerId="LiveId" clId="{94FD8C9F-2DB1-4900-8832-DD192875D22E}" dt="2023-12-03T00:09:54.692" v="844" actId="20577"/>
+          <ac:spMkLst>
+            <pc:docMk/>
+            <pc:sldMk cId="3620684738" sldId="280"/>
+            <ac:spMk id="8" creationId="{A2492521-A64F-DB76-BB21-1ABA2E48ECFD}"/>
+          </ac:spMkLst>
+        </pc:spChg>
+        <pc:picChg chg="mod">
+          <ac:chgData name="Abhi Sidher" userId="114fc88b5ae695fd" providerId="LiveId" clId="{94FD8C9F-2DB1-4900-8832-DD192875D22E}" dt="2023-12-03T00:09:24.337" v="836" actId="14826"/>
+          <ac:picMkLst>
+            <pc:docMk/>
+            <pc:sldMk cId="3620684738" sldId="280"/>
+            <ac:picMk id="10" creationId="{595DA770-9B52-3A2A-5E0A-3ED66B6B52CB}"/>
+          </ac:picMkLst>
+        </pc:picChg>
+        <pc:picChg chg="mod">
+          <ac:chgData name="Abhi Sidher" userId="114fc88b5ae695fd" providerId="LiveId" clId="{94FD8C9F-2DB1-4900-8832-DD192875D22E}" dt="2023-12-03T00:09:41.593" v="837" actId="14826"/>
+          <ac:picMkLst>
+            <pc:docMk/>
+            <pc:sldMk cId="3620684738" sldId="280"/>
+            <ac:picMk id="12" creationId="{E74B9D75-D570-D0B0-E519-2E1D52AD021B}"/>
           </ac:picMkLst>
         </pc:picChg>
       </pc:sldChg>
@@ -777,7 +1170,7 @@
           <a:p>
             <a:fld id="{80283EB8-2D18-4FC6-ADD2-BB9FDCECD855}" type="datetimeFigureOut">
               <a:rPr lang="en-US" smtClean="0"/>
-              <a:t>11/28/2023</a:t>
+              <a:t>12/2/2023</a:t>
             </a:fld>
             <a:endParaRPr lang="en-US"/>
           </a:p>
@@ -975,7 +1368,7 @@
           <a:p>
             <a:fld id="{80283EB8-2D18-4FC6-ADD2-BB9FDCECD855}" type="datetimeFigureOut">
               <a:rPr lang="en-US" smtClean="0"/>
-              <a:t>11/28/2023</a:t>
+              <a:t>12/2/2023</a:t>
             </a:fld>
             <a:endParaRPr lang="en-US"/>
           </a:p>
@@ -1183,7 +1576,7 @@
           <a:p>
             <a:fld id="{80283EB8-2D18-4FC6-ADD2-BB9FDCECD855}" type="datetimeFigureOut">
               <a:rPr lang="en-US" smtClean="0"/>
-              <a:t>11/28/2023</a:t>
+              <a:t>12/2/2023</a:t>
             </a:fld>
             <a:endParaRPr lang="en-US"/>
           </a:p>
@@ -1381,7 +1774,7 @@
           <a:p>
             <a:fld id="{80283EB8-2D18-4FC6-ADD2-BB9FDCECD855}" type="datetimeFigureOut">
               <a:rPr lang="en-US" smtClean="0"/>
-              <a:t>11/28/2023</a:t>
+              <a:t>12/2/2023</a:t>
             </a:fld>
             <a:endParaRPr lang="en-US"/>
           </a:p>
@@ -1656,7 +2049,7 @@
           <a:p>
             <a:fld id="{80283EB8-2D18-4FC6-ADD2-BB9FDCECD855}" type="datetimeFigureOut">
               <a:rPr lang="en-US" smtClean="0"/>
-              <a:t>11/28/2023</a:t>
+              <a:t>12/2/2023</a:t>
             </a:fld>
             <a:endParaRPr lang="en-US"/>
           </a:p>
@@ -1921,7 +2314,7 @@
           <a:p>
             <a:fld id="{80283EB8-2D18-4FC6-ADD2-BB9FDCECD855}" type="datetimeFigureOut">
               <a:rPr lang="en-US" smtClean="0"/>
-              <a:t>11/28/2023</a:t>
+              <a:t>12/2/2023</a:t>
             </a:fld>
             <a:endParaRPr lang="en-US"/>
           </a:p>
@@ -2333,7 +2726,7 @@
           <a:p>
             <a:fld id="{80283EB8-2D18-4FC6-ADD2-BB9FDCECD855}" type="datetimeFigureOut">
               <a:rPr lang="en-US" smtClean="0"/>
-              <a:t>11/28/2023</a:t>
+              <a:t>12/2/2023</a:t>
             </a:fld>
             <a:endParaRPr lang="en-US"/>
           </a:p>
@@ -2474,7 +2867,7 @@
           <a:p>
             <a:fld id="{80283EB8-2D18-4FC6-ADD2-BB9FDCECD855}" type="datetimeFigureOut">
               <a:rPr lang="en-US" smtClean="0"/>
-              <a:t>11/28/2023</a:t>
+              <a:t>12/2/2023</a:t>
             </a:fld>
             <a:endParaRPr lang="en-US"/>
           </a:p>
@@ -2587,7 +2980,7 @@
           <a:p>
             <a:fld id="{80283EB8-2D18-4FC6-ADD2-BB9FDCECD855}" type="datetimeFigureOut">
               <a:rPr lang="en-US" smtClean="0"/>
-              <a:t>11/28/2023</a:t>
+              <a:t>12/2/2023</a:t>
             </a:fld>
             <a:endParaRPr lang="en-US"/>
           </a:p>
@@ -2898,7 +3291,7 @@
           <a:p>
             <a:fld id="{80283EB8-2D18-4FC6-ADD2-BB9FDCECD855}" type="datetimeFigureOut">
               <a:rPr lang="en-US" smtClean="0"/>
-              <a:t>11/28/2023</a:t>
+              <a:t>12/2/2023</a:t>
             </a:fld>
             <a:endParaRPr lang="en-US"/>
           </a:p>
@@ -3186,7 +3579,7 @@
           <a:p>
             <a:fld id="{80283EB8-2D18-4FC6-ADD2-BB9FDCECD855}" type="datetimeFigureOut">
               <a:rPr lang="en-US" smtClean="0"/>
-              <a:t>11/28/2023</a:t>
+              <a:t>12/2/2023</a:t>
             </a:fld>
             <a:endParaRPr lang="en-US"/>
           </a:p>
@@ -3427,7 +3820,7 @@
           <a:p>
             <a:fld id="{80283EB8-2D18-4FC6-ADD2-BB9FDCECD855}" type="datetimeFigureOut">
               <a:rPr lang="en-US" smtClean="0"/>
-              <a:t>11/28/2023</a:t>
+              <a:t>12/2/2023</a:t>
             </a:fld>
             <a:endParaRPr lang="en-US"/>
           </a:p>
@@ -4548,6 +4941,288 @@
 </p:sld>
 </file>
 
+<file path=ppt/slides/slide17.xml><?xml version="1.0" encoding="utf-8"?>
+<p:sld xmlns:a="http://schemas.openxmlformats.org/drawingml/2006/main" xmlns:r="http://schemas.openxmlformats.org/officeDocument/2006/relationships" xmlns:p="http://schemas.openxmlformats.org/presentationml/2006/main">
+  <p:cSld>
+    <p:spTree>
+      <p:nvGrpSpPr>
+        <p:cNvPr id="1" name=""/>
+        <p:cNvGrpSpPr/>
+        <p:nvPr/>
+      </p:nvGrpSpPr>
+      <p:grpSpPr>
+        <a:xfrm>
+          <a:off x="0" y="0"/>
+          <a:ext cx="0" cy="0"/>
+          <a:chOff x="0" y="0"/>
+          <a:chExt cx="0" cy="0"/>
+        </a:xfrm>
+      </p:grpSpPr>
+      <p:sp>
+        <p:nvSpPr>
+          <p:cNvPr id="2" name="Title 1">
+            <a:extLst>
+              <a:ext uri="{FF2B5EF4-FFF2-40B4-BE49-F238E27FC236}">
+                <a16:creationId xmlns:a16="http://schemas.microsoft.com/office/drawing/2014/main" id="{DE33A763-9116-BCAA-1038-498E492F8B85}"/>
+              </a:ext>
+            </a:extLst>
+          </p:cNvPr>
+          <p:cNvSpPr>
+            <a:spLocks noGrp="1"/>
+          </p:cNvSpPr>
+          <p:nvPr>
+            <p:ph type="title"/>
+          </p:nvPr>
+        </p:nvSpPr>
+        <p:spPr/>
+        <p:txBody>
+          <a:bodyPr/>
+          <a:lstStyle/>
+          <a:p>
+            <a:r>
+              <a:rPr lang="en-US" dirty="0"/>
+              <a:t>Everything Enabled + </a:t>
+            </a:r>
+            <a:r>
+              <a:rPr lang="en-US" dirty="0" err="1"/>
+              <a:t>ElasticTransform</a:t>
+            </a:r>
+            <a:endParaRPr lang="en-US" dirty="0"/>
+          </a:p>
+        </p:txBody>
+      </p:sp>
+      <p:pic>
+        <p:nvPicPr>
+          <p:cNvPr id="4" name="Content Placeholder 3">
+            <a:extLst>
+              <a:ext uri="{FF2B5EF4-FFF2-40B4-BE49-F238E27FC236}">
+                <a16:creationId xmlns:a16="http://schemas.microsoft.com/office/drawing/2014/main" id="{B7D5EECD-D0B2-FAF7-4C84-0734C886A71D}"/>
+              </a:ext>
+            </a:extLst>
+          </p:cNvPr>
+          <p:cNvPicPr>
+            <a:picLocks noGrp="1" noChangeAspect="1"/>
+          </p:cNvPicPr>
+          <p:nvPr>
+            <p:ph idx="1"/>
+          </p:nvPr>
+        </p:nvPicPr>
+        <p:blipFill>
+          <a:blip r:embed="rId2"/>
+          <a:stretch>
+            <a:fillRect/>
+          </a:stretch>
+        </p:blipFill>
+        <p:spPr>
+          <a:xfrm>
+            <a:off x="2324100" y="2121694"/>
+            <a:ext cx="7543800" cy="3759200"/>
+          </a:xfrm>
+          <a:prstGeom prst="rect">
+            <a:avLst/>
+          </a:prstGeom>
+        </p:spPr>
+      </p:pic>
+    </p:spTree>
+    <p:extLst>
+      <p:ext uri="{BB962C8B-B14F-4D97-AF65-F5344CB8AC3E}">
+        <p14:creationId xmlns:p14="http://schemas.microsoft.com/office/powerpoint/2010/main" val="2731887364"/>
+      </p:ext>
+    </p:extLst>
+  </p:cSld>
+  <p:clrMapOvr>
+    <a:masterClrMapping/>
+  </p:clrMapOvr>
+</p:sld>
+</file>
+
+<file path=ppt/slides/slide18.xml><?xml version="1.0" encoding="utf-8"?>
+<p:sld xmlns:a="http://schemas.openxmlformats.org/drawingml/2006/main" xmlns:r="http://schemas.openxmlformats.org/officeDocument/2006/relationships" xmlns:p="http://schemas.openxmlformats.org/presentationml/2006/main">
+  <p:cSld>
+    <p:spTree>
+      <p:nvGrpSpPr>
+        <p:cNvPr id="1" name=""/>
+        <p:cNvGrpSpPr/>
+        <p:nvPr/>
+      </p:nvGrpSpPr>
+      <p:grpSpPr>
+        <a:xfrm>
+          <a:off x="0" y="0"/>
+          <a:ext cx="0" cy="0"/>
+          <a:chOff x="0" y="0"/>
+          <a:chExt cx="0" cy="0"/>
+        </a:xfrm>
+      </p:grpSpPr>
+      <p:sp>
+        <p:nvSpPr>
+          <p:cNvPr id="2" name="Title 1">
+            <a:extLst>
+              <a:ext uri="{FF2B5EF4-FFF2-40B4-BE49-F238E27FC236}">
+                <a16:creationId xmlns:a16="http://schemas.microsoft.com/office/drawing/2014/main" id="{B8726D0D-2E32-20DD-EDC5-6B1E16547429}"/>
+              </a:ext>
+            </a:extLst>
+          </p:cNvPr>
+          <p:cNvSpPr>
+            <a:spLocks noGrp="1"/>
+          </p:cNvSpPr>
+          <p:nvPr>
+            <p:ph type="title"/>
+          </p:nvPr>
+        </p:nvSpPr>
+        <p:spPr/>
+        <p:txBody>
+          <a:bodyPr/>
+          <a:lstStyle/>
+          <a:p>
+            <a:r>
+              <a:rPr lang="en-US" dirty="0"/>
+              <a:t>No </a:t>
+            </a:r>
+            <a:r>
+              <a:rPr lang="en-US" dirty="0" err="1"/>
+              <a:t>ElasticTransform</a:t>
+            </a:r>
+            <a:endParaRPr lang="en-US" dirty="0"/>
+          </a:p>
+        </p:txBody>
+      </p:sp>
+      <p:pic>
+        <p:nvPicPr>
+          <p:cNvPr id="5" name="Content Placeholder 4">
+            <a:extLst>
+              <a:ext uri="{FF2B5EF4-FFF2-40B4-BE49-F238E27FC236}">
+                <a16:creationId xmlns:a16="http://schemas.microsoft.com/office/drawing/2014/main" id="{20E02DDB-D260-5882-A553-89A71B43EC63}"/>
+              </a:ext>
+            </a:extLst>
+          </p:cNvPr>
+          <p:cNvPicPr>
+            <a:picLocks noGrp="1" noChangeAspect="1"/>
+          </p:cNvPicPr>
+          <p:nvPr>
+            <p:ph idx="1"/>
+          </p:nvPr>
+        </p:nvPicPr>
+        <p:blipFill>
+          <a:blip r:embed="rId2"/>
+          <a:stretch>
+            <a:fillRect/>
+          </a:stretch>
+        </p:blipFill>
+        <p:spPr>
+          <a:xfrm>
+            <a:off x="1726286" y="1825625"/>
+            <a:ext cx="8739427" cy="4351338"/>
+          </a:xfrm>
+        </p:spPr>
+      </p:pic>
+    </p:spTree>
+    <p:extLst>
+      <p:ext uri="{BB962C8B-B14F-4D97-AF65-F5344CB8AC3E}">
+        <p14:creationId xmlns:p14="http://schemas.microsoft.com/office/powerpoint/2010/main" val="706701571"/>
+      </p:ext>
+    </p:extLst>
+  </p:cSld>
+  <p:clrMapOvr>
+    <a:masterClrMapping/>
+  </p:clrMapOvr>
+</p:sld>
+</file>
+
+<file path=ppt/slides/slide19.xml><?xml version="1.0" encoding="utf-8"?>
+<p:sld xmlns:a="http://schemas.openxmlformats.org/drawingml/2006/main" xmlns:r="http://schemas.openxmlformats.org/officeDocument/2006/relationships" xmlns:p="http://schemas.openxmlformats.org/presentationml/2006/main">
+  <p:cSld>
+    <p:spTree>
+      <p:nvGrpSpPr>
+        <p:cNvPr id="1" name=""/>
+        <p:cNvGrpSpPr/>
+        <p:nvPr/>
+      </p:nvGrpSpPr>
+      <p:grpSpPr>
+        <a:xfrm>
+          <a:off x="0" y="0"/>
+          <a:ext cx="0" cy="0"/>
+          <a:chOff x="0" y="0"/>
+          <a:chExt cx="0" cy="0"/>
+        </a:xfrm>
+      </p:grpSpPr>
+      <p:sp>
+        <p:nvSpPr>
+          <p:cNvPr id="2" name="Title 1">
+            <a:extLst>
+              <a:ext uri="{FF2B5EF4-FFF2-40B4-BE49-F238E27FC236}">
+                <a16:creationId xmlns:a16="http://schemas.microsoft.com/office/drawing/2014/main" id="{FAD7DE8F-B630-95D6-D7C6-16E6570B78A0}"/>
+              </a:ext>
+            </a:extLst>
+          </p:cNvPr>
+          <p:cNvSpPr>
+            <a:spLocks noGrp="1"/>
+          </p:cNvSpPr>
+          <p:nvPr>
+            <p:ph type="title"/>
+          </p:nvPr>
+        </p:nvSpPr>
+        <p:spPr/>
+        <p:txBody>
+          <a:bodyPr/>
+          <a:lstStyle/>
+          <a:p>
+            <a:r>
+              <a:rPr lang="en-US" dirty="0"/>
+              <a:t>No </a:t>
+            </a:r>
+            <a:r>
+              <a:rPr lang="en-US" dirty="0" err="1"/>
+              <a:t>ElasticTransform</a:t>
+            </a:r>
+            <a:r>
+              <a:rPr lang="en-US" dirty="0"/>
+              <a:t>, Adam</a:t>
+            </a:r>
+          </a:p>
+        </p:txBody>
+      </p:sp>
+      <p:pic>
+        <p:nvPicPr>
+          <p:cNvPr id="5" name="Content Placeholder 4">
+            <a:extLst>
+              <a:ext uri="{FF2B5EF4-FFF2-40B4-BE49-F238E27FC236}">
+                <a16:creationId xmlns:a16="http://schemas.microsoft.com/office/drawing/2014/main" id="{E7E7CB02-9DE4-8615-EDBC-CBEFC0B3A8CF}"/>
+              </a:ext>
+            </a:extLst>
+          </p:cNvPr>
+          <p:cNvPicPr>
+            <a:picLocks noGrp="1" noChangeAspect="1"/>
+          </p:cNvPicPr>
+          <p:nvPr>
+            <p:ph idx="1"/>
+          </p:nvPr>
+        </p:nvPicPr>
+        <p:blipFill>
+          <a:blip r:embed="rId2"/>
+          <a:stretch>
+            <a:fillRect/>
+          </a:stretch>
+        </p:blipFill>
+        <p:spPr>
+          <a:xfrm>
+            <a:off x="1726286" y="1825625"/>
+            <a:ext cx="8739427" cy="4351338"/>
+          </a:xfrm>
+        </p:spPr>
+      </p:pic>
+    </p:spTree>
+    <p:extLst>
+      <p:ext uri="{BB962C8B-B14F-4D97-AF65-F5344CB8AC3E}">
+        <p14:creationId xmlns:p14="http://schemas.microsoft.com/office/powerpoint/2010/main" val="2811116592"/>
+      </p:ext>
+    </p:extLst>
+  </p:cSld>
+  <p:clrMapOvr>
+    <a:masterClrMapping/>
+  </p:clrMapOvr>
+</p:sld>
+</file>
+
 <file path=ppt/slides/slide2.xml><?xml version="1.0" encoding="utf-8"?>
 <p:sld xmlns:a="http://schemas.openxmlformats.org/drawingml/2006/main" xmlns:r="http://schemas.openxmlformats.org/officeDocument/2006/relationships" xmlns:p="http://schemas.openxmlformats.org/presentationml/2006/main">
   <p:cSld>
@@ -4638,6 +5313,802 @@
     <p:extLst>
       <p:ext uri="{BB962C8B-B14F-4D97-AF65-F5344CB8AC3E}">
         <p14:creationId xmlns:p14="http://schemas.microsoft.com/office/powerpoint/2010/main" val="4226811313"/>
+      </p:ext>
+    </p:extLst>
+  </p:cSld>
+  <p:clrMapOvr>
+    <a:masterClrMapping/>
+  </p:clrMapOvr>
+</p:sld>
+</file>
+
+<file path=ppt/slides/slide20.xml><?xml version="1.0" encoding="utf-8"?>
+<p:sld xmlns:a="http://schemas.openxmlformats.org/drawingml/2006/main" xmlns:r="http://schemas.openxmlformats.org/officeDocument/2006/relationships" xmlns:p="http://schemas.openxmlformats.org/presentationml/2006/main">
+  <p:cSld>
+    <p:spTree>
+      <p:nvGrpSpPr>
+        <p:cNvPr id="1" name=""/>
+        <p:cNvGrpSpPr/>
+        <p:nvPr/>
+      </p:nvGrpSpPr>
+      <p:grpSpPr>
+        <a:xfrm>
+          <a:off x="0" y="0"/>
+          <a:ext cx="0" cy="0"/>
+          <a:chOff x="0" y="0"/>
+          <a:chExt cx="0" cy="0"/>
+        </a:xfrm>
+      </p:grpSpPr>
+      <p:sp>
+        <p:nvSpPr>
+          <p:cNvPr id="2" name="Title 1">
+            <a:extLst>
+              <a:ext uri="{FF2B5EF4-FFF2-40B4-BE49-F238E27FC236}">
+                <a16:creationId xmlns:a16="http://schemas.microsoft.com/office/drawing/2014/main" id="{C1856FFF-F86B-8BA7-617C-73F152DB2D1A}"/>
+              </a:ext>
+            </a:extLst>
+          </p:cNvPr>
+          <p:cNvSpPr>
+            <a:spLocks noGrp="1"/>
+          </p:cNvSpPr>
+          <p:nvPr>
+            <p:ph type="title"/>
+          </p:nvPr>
+        </p:nvSpPr>
+        <p:spPr/>
+        <p:txBody>
+          <a:bodyPr/>
+          <a:lstStyle/>
+          <a:p>
+            <a:r>
+              <a:rPr lang="en-US" dirty="0"/>
+              <a:t>No </a:t>
+            </a:r>
+            <a:r>
+              <a:rPr lang="en-US" dirty="0" err="1"/>
+              <a:t>ElasticTransform</a:t>
+            </a:r>
+            <a:r>
+              <a:rPr lang="en-US" dirty="0"/>
+              <a:t>, Adam, 10 Fold</a:t>
+            </a:r>
+          </a:p>
+        </p:txBody>
+      </p:sp>
+      <p:pic>
+        <p:nvPicPr>
+          <p:cNvPr id="5" name="Content Placeholder 4">
+            <a:extLst>
+              <a:ext uri="{FF2B5EF4-FFF2-40B4-BE49-F238E27FC236}">
+                <a16:creationId xmlns:a16="http://schemas.microsoft.com/office/drawing/2014/main" id="{7903E187-5A27-A350-50E0-AE5CFE00B3DB}"/>
+              </a:ext>
+            </a:extLst>
+          </p:cNvPr>
+          <p:cNvPicPr>
+            <a:picLocks noGrp="1" noChangeAspect="1"/>
+          </p:cNvPicPr>
+          <p:nvPr>
+            <p:ph idx="1"/>
+          </p:nvPr>
+        </p:nvPicPr>
+        <p:blipFill>
+          <a:blip r:embed="rId2"/>
+          <a:stretch>
+            <a:fillRect/>
+          </a:stretch>
+        </p:blipFill>
+        <p:spPr>
+          <a:xfrm>
+            <a:off x="1726286" y="1825625"/>
+            <a:ext cx="8739427" cy="4351338"/>
+          </a:xfrm>
+        </p:spPr>
+      </p:pic>
+    </p:spTree>
+    <p:extLst>
+      <p:ext uri="{BB962C8B-B14F-4D97-AF65-F5344CB8AC3E}">
+        <p14:creationId xmlns:p14="http://schemas.microsoft.com/office/powerpoint/2010/main" val="2161435304"/>
+      </p:ext>
+    </p:extLst>
+  </p:cSld>
+  <p:clrMapOvr>
+    <a:masterClrMapping/>
+  </p:clrMapOvr>
+</p:sld>
+</file>
+
+<file path=ppt/slides/slide21.xml><?xml version="1.0" encoding="utf-8"?>
+<p:sld xmlns:a="http://schemas.openxmlformats.org/drawingml/2006/main" xmlns:r="http://schemas.openxmlformats.org/officeDocument/2006/relationships" xmlns:p="http://schemas.openxmlformats.org/presentationml/2006/main">
+  <p:cSld>
+    <p:spTree>
+      <p:nvGrpSpPr>
+        <p:cNvPr id="1" name=""/>
+        <p:cNvGrpSpPr/>
+        <p:nvPr/>
+      </p:nvGrpSpPr>
+      <p:grpSpPr>
+        <a:xfrm>
+          <a:off x="0" y="0"/>
+          <a:ext cx="0" cy="0"/>
+          <a:chOff x="0" y="0"/>
+          <a:chExt cx="0" cy="0"/>
+        </a:xfrm>
+      </p:grpSpPr>
+      <p:sp>
+        <p:nvSpPr>
+          <p:cNvPr id="2" name="Title 1">
+            <a:extLst>
+              <a:ext uri="{FF2B5EF4-FFF2-40B4-BE49-F238E27FC236}">
+                <a16:creationId xmlns:a16="http://schemas.microsoft.com/office/drawing/2014/main" id="{15EBE802-F8A2-C80B-49A3-C42BD92E4778}"/>
+              </a:ext>
+            </a:extLst>
+          </p:cNvPr>
+          <p:cNvSpPr>
+            <a:spLocks noGrp="1"/>
+          </p:cNvSpPr>
+          <p:nvPr>
+            <p:ph type="title"/>
+          </p:nvPr>
+        </p:nvSpPr>
+        <p:spPr/>
+        <p:txBody>
+          <a:bodyPr/>
+          <a:lstStyle/>
+          <a:p>
+            <a:r>
+              <a:rPr lang="en-US" dirty="0"/>
+              <a:t>No </a:t>
+            </a:r>
+            <a:r>
+              <a:rPr lang="en-US" dirty="0" err="1"/>
+              <a:t>ElasticTransform</a:t>
+            </a:r>
+            <a:r>
+              <a:rPr lang="en-US" dirty="0"/>
+              <a:t>, Adam, 5 Fold</a:t>
+            </a:r>
+          </a:p>
+        </p:txBody>
+      </p:sp>
+      <p:pic>
+        <p:nvPicPr>
+          <p:cNvPr id="5" name="Content Placeholder 4">
+            <a:extLst>
+              <a:ext uri="{FF2B5EF4-FFF2-40B4-BE49-F238E27FC236}">
+                <a16:creationId xmlns:a16="http://schemas.microsoft.com/office/drawing/2014/main" id="{BD3008D3-F0B7-B9DC-C8A0-F8B3CFC1C86B}"/>
+              </a:ext>
+            </a:extLst>
+          </p:cNvPr>
+          <p:cNvPicPr>
+            <a:picLocks noGrp="1" noChangeAspect="1"/>
+          </p:cNvPicPr>
+          <p:nvPr>
+            <p:ph idx="1"/>
+          </p:nvPr>
+        </p:nvPicPr>
+        <p:blipFill>
+          <a:blip r:embed="rId2"/>
+          <a:stretch>
+            <a:fillRect/>
+          </a:stretch>
+        </p:blipFill>
+        <p:spPr>
+          <a:xfrm>
+            <a:off x="1726286" y="1825625"/>
+            <a:ext cx="8739427" cy="4351338"/>
+          </a:xfrm>
+        </p:spPr>
+      </p:pic>
+    </p:spTree>
+    <p:extLst>
+      <p:ext uri="{BB962C8B-B14F-4D97-AF65-F5344CB8AC3E}">
+        <p14:creationId xmlns:p14="http://schemas.microsoft.com/office/powerpoint/2010/main" val="1019720648"/>
+      </p:ext>
+    </p:extLst>
+  </p:cSld>
+  <p:clrMapOvr>
+    <a:masterClrMapping/>
+  </p:clrMapOvr>
+</p:sld>
+</file>
+
+<file path=ppt/slides/slide22.xml><?xml version="1.0" encoding="utf-8"?>
+<p:sld xmlns:a="http://schemas.openxmlformats.org/drawingml/2006/main" xmlns:r="http://schemas.openxmlformats.org/officeDocument/2006/relationships" xmlns:p="http://schemas.openxmlformats.org/presentationml/2006/main">
+  <p:cSld>
+    <p:spTree>
+      <p:nvGrpSpPr>
+        <p:cNvPr id="1" name=""/>
+        <p:cNvGrpSpPr/>
+        <p:nvPr/>
+      </p:nvGrpSpPr>
+      <p:grpSpPr>
+        <a:xfrm>
+          <a:off x="0" y="0"/>
+          <a:ext cx="0" cy="0"/>
+          <a:chOff x="0" y="0"/>
+          <a:chExt cx="0" cy="0"/>
+        </a:xfrm>
+      </p:grpSpPr>
+      <p:sp>
+        <p:nvSpPr>
+          <p:cNvPr id="2" name="Title 1">
+            <a:extLst>
+              <a:ext uri="{FF2B5EF4-FFF2-40B4-BE49-F238E27FC236}">
+                <a16:creationId xmlns:a16="http://schemas.microsoft.com/office/drawing/2014/main" id="{52452C9F-97B3-55D9-C872-65486AD62BE3}"/>
+              </a:ext>
+            </a:extLst>
+          </p:cNvPr>
+          <p:cNvSpPr>
+            <a:spLocks noGrp="1"/>
+          </p:cNvSpPr>
+          <p:nvPr>
+            <p:ph type="title"/>
+          </p:nvPr>
+        </p:nvSpPr>
+        <p:spPr/>
+        <p:txBody>
+          <a:bodyPr/>
+          <a:lstStyle/>
+          <a:p>
+            <a:r>
+              <a:rPr lang="en-US" dirty="0"/>
+              <a:t>No </a:t>
+            </a:r>
+            <a:r>
+              <a:rPr lang="en-US" dirty="0" err="1"/>
+              <a:t>ElasticTransform</a:t>
+            </a:r>
+            <a:r>
+              <a:rPr lang="en-US" dirty="0"/>
+              <a:t>, Vertical T, Adam, 10 Fold</a:t>
+            </a:r>
+          </a:p>
+        </p:txBody>
+      </p:sp>
+      <p:pic>
+        <p:nvPicPr>
+          <p:cNvPr id="5" name="Content Placeholder 4">
+            <a:extLst>
+              <a:ext uri="{FF2B5EF4-FFF2-40B4-BE49-F238E27FC236}">
+                <a16:creationId xmlns:a16="http://schemas.microsoft.com/office/drawing/2014/main" id="{6A70F94B-890C-1308-3B04-27C81EF999E0}"/>
+              </a:ext>
+            </a:extLst>
+          </p:cNvPr>
+          <p:cNvPicPr>
+            <a:picLocks noGrp="1" noChangeAspect="1"/>
+          </p:cNvPicPr>
+          <p:nvPr>
+            <p:ph idx="1"/>
+          </p:nvPr>
+        </p:nvPicPr>
+        <p:blipFill>
+          <a:blip r:embed="rId2"/>
+          <a:stretch>
+            <a:fillRect/>
+          </a:stretch>
+        </p:blipFill>
+        <p:spPr>
+          <a:xfrm>
+            <a:off x="1726286" y="1825625"/>
+            <a:ext cx="8739427" cy="4351338"/>
+          </a:xfrm>
+        </p:spPr>
+      </p:pic>
+    </p:spTree>
+    <p:extLst>
+      <p:ext uri="{BB962C8B-B14F-4D97-AF65-F5344CB8AC3E}">
+        <p14:creationId xmlns:p14="http://schemas.microsoft.com/office/powerpoint/2010/main" val="3867019042"/>
+      </p:ext>
+    </p:extLst>
+  </p:cSld>
+  <p:clrMapOvr>
+    <a:masterClrMapping/>
+  </p:clrMapOvr>
+</p:sld>
+</file>
+
+<file path=ppt/slides/slide23.xml><?xml version="1.0" encoding="utf-8"?>
+<p:sld xmlns:a="http://schemas.openxmlformats.org/drawingml/2006/main" xmlns:r="http://schemas.openxmlformats.org/officeDocument/2006/relationships" xmlns:p="http://schemas.openxmlformats.org/presentationml/2006/main">
+  <p:cSld>
+    <p:spTree>
+      <p:nvGrpSpPr>
+        <p:cNvPr id="1" name=""/>
+        <p:cNvGrpSpPr/>
+        <p:nvPr/>
+      </p:nvGrpSpPr>
+      <p:grpSpPr>
+        <a:xfrm>
+          <a:off x="0" y="0"/>
+          <a:ext cx="0" cy="0"/>
+          <a:chOff x="0" y="0"/>
+          <a:chExt cx="0" cy="0"/>
+        </a:xfrm>
+      </p:grpSpPr>
+      <p:sp>
+        <p:nvSpPr>
+          <p:cNvPr id="2" name="Title 1">
+            <a:extLst>
+              <a:ext uri="{FF2B5EF4-FFF2-40B4-BE49-F238E27FC236}">
+                <a16:creationId xmlns:a16="http://schemas.microsoft.com/office/drawing/2014/main" id="{B7DFBCD2-3634-2778-7AF0-341C2CDA5A3C}"/>
+              </a:ext>
+            </a:extLst>
+          </p:cNvPr>
+          <p:cNvSpPr>
+            <a:spLocks noGrp="1"/>
+          </p:cNvSpPr>
+          <p:nvPr>
+            <p:ph type="title"/>
+          </p:nvPr>
+        </p:nvSpPr>
+        <p:spPr/>
+        <p:txBody>
+          <a:bodyPr/>
+          <a:lstStyle/>
+          <a:p>
+            <a:r>
+              <a:rPr lang="en-US" dirty="0"/>
+              <a:t>No </a:t>
+            </a:r>
+            <a:r>
+              <a:rPr lang="en-US" dirty="0" err="1"/>
+              <a:t>ElasticTransform</a:t>
+            </a:r>
+            <a:r>
+              <a:rPr lang="en-US" dirty="0"/>
+              <a:t>, Vertical T, Adam, 10 Fold</a:t>
+            </a:r>
+          </a:p>
+        </p:txBody>
+      </p:sp>
+      <p:pic>
+        <p:nvPicPr>
+          <p:cNvPr id="5" name="Content Placeholder 4">
+            <a:extLst>
+              <a:ext uri="{FF2B5EF4-FFF2-40B4-BE49-F238E27FC236}">
+                <a16:creationId xmlns:a16="http://schemas.microsoft.com/office/drawing/2014/main" id="{26C6E42D-7D94-270F-4984-66660C89B78E}"/>
+              </a:ext>
+            </a:extLst>
+          </p:cNvPr>
+          <p:cNvPicPr>
+            <a:picLocks noGrp="1" noChangeAspect="1"/>
+          </p:cNvPicPr>
+          <p:nvPr>
+            <p:ph idx="1"/>
+          </p:nvPr>
+        </p:nvPicPr>
+        <p:blipFill>
+          <a:blip r:embed="rId2"/>
+          <a:stretch>
+            <a:fillRect/>
+          </a:stretch>
+        </p:blipFill>
+        <p:spPr>
+          <a:xfrm>
+            <a:off x="1726286" y="1825625"/>
+            <a:ext cx="8739427" cy="4351338"/>
+          </a:xfrm>
+        </p:spPr>
+      </p:pic>
+      <p:grpSp>
+        <p:nvGrpSpPr>
+          <p:cNvPr id="9" name="Group 8">
+            <a:extLst>
+              <a:ext uri="{FF2B5EF4-FFF2-40B4-BE49-F238E27FC236}">
+                <a16:creationId xmlns:a16="http://schemas.microsoft.com/office/drawing/2014/main" id="{AB99188B-8C0C-AE29-CB96-E605591C7388}"/>
+              </a:ext>
+            </a:extLst>
+          </p:cNvPr>
+          <p:cNvGrpSpPr/>
+          <p:nvPr/>
+        </p:nvGrpSpPr>
+        <p:grpSpPr>
+          <a:xfrm>
+            <a:off x="10171358" y="4608870"/>
+            <a:ext cx="2186072" cy="2163835"/>
+            <a:chOff x="9766912" y="130654"/>
+            <a:chExt cx="2186072" cy="2163835"/>
+          </a:xfrm>
+        </p:grpSpPr>
+        <p:pic>
+          <p:nvPicPr>
+            <p:cNvPr id="7" name="Picture 6">
+              <a:extLst>
+                <a:ext uri="{FF2B5EF4-FFF2-40B4-BE49-F238E27FC236}">
+                  <a16:creationId xmlns:a16="http://schemas.microsoft.com/office/drawing/2014/main" id="{AA15B80E-AEFB-6D85-7EA6-3DB44E03621D}"/>
+                </a:ext>
+              </a:extLst>
+            </p:cNvPr>
+            <p:cNvPicPr>
+              <a:picLocks noChangeAspect="1"/>
+            </p:cNvPicPr>
+            <p:nvPr/>
+          </p:nvPicPr>
+          <p:blipFill>
+            <a:blip r:embed="rId3"/>
+            <a:stretch>
+              <a:fillRect/>
+            </a:stretch>
+          </p:blipFill>
+          <p:spPr>
+            <a:xfrm>
+              <a:off x="9766912" y="130654"/>
+              <a:ext cx="1882506" cy="1794503"/>
+            </a:xfrm>
+            <a:prstGeom prst="rect">
+              <a:avLst/>
+            </a:prstGeom>
+          </p:spPr>
+        </p:pic>
+        <p:sp>
+          <p:nvSpPr>
+            <p:cNvPr id="8" name="TextBox 7">
+              <a:extLst>
+                <a:ext uri="{FF2B5EF4-FFF2-40B4-BE49-F238E27FC236}">
+                  <a16:creationId xmlns:a16="http://schemas.microsoft.com/office/drawing/2014/main" id="{A2492521-A64F-DB76-BB21-1ABA2E48ECFD}"/>
+                </a:ext>
+              </a:extLst>
+            </p:cNvPr>
+            <p:cNvSpPr txBox="1"/>
+            <p:nvPr/>
+          </p:nvSpPr>
+          <p:spPr>
+            <a:xfrm>
+              <a:off x="9946567" y="1925157"/>
+              <a:ext cx="2006417" cy="369332"/>
+            </a:xfrm>
+            <a:prstGeom prst="rect">
+              <a:avLst/>
+            </a:prstGeom>
+            <a:noFill/>
+          </p:spPr>
+          <p:txBody>
+            <a:bodyPr wrap="square" rtlCol="0">
+              <a:spAutoFit/>
+            </a:bodyPr>
+            <a:lstStyle/>
+            <a:p>
+              <a:r>
+                <a:rPr lang="en-US" dirty="0"/>
+                <a:t>84.63% Accuracy</a:t>
+              </a:r>
+            </a:p>
+          </p:txBody>
+        </p:sp>
+      </p:grpSp>
+    </p:spTree>
+    <p:extLst>
+      <p:ext uri="{BB962C8B-B14F-4D97-AF65-F5344CB8AC3E}">
+        <p14:creationId xmlns:p14="http://schemas.microsoft.com/office/powerpoint/2010/main" val="3292577601"/>
+      </p:ext>
+    </p:extLst>
+  </p:cSld>
+  <p:clrMapOvr>
+    <a:masterClrMapping/>
+  </p:clrMapOvr>
+</p:sld>
+</file>
+
+<file path=ppt/slides/slide24.xml><?xml version="1.0" encoding="utf-8"?>
+<p:sld xmlns:a="http://schemas.openxmlformats.org/drawingml/2006/main" xmlns:r="http://schemas.openxmlformats.org/officeDocument/2006/relationships" xmlns:p="http://schemas.openxmlformats.org/presentationml/2006/main">
+  <p:cSld>
+    <p:spTree>
+      <p:nvGrpSpPr>
+        <p:cNvPr id="1" name=""/>
+        <p:cNvGrpSpPr/>
+        <p:nvPr/>
+      </p:nvGrpSpPr>
+      <p:grpSpPr>
+        <a:xfrm>
+          <a:off x="0" y="0"/>
+          <a:ext cx="0" cy="0"/>
+          <a:chOff x="0" y="0"/>
+          <a:chExt cx="0" cy="0"/>
+        </a:xfrm>
+      </p:grpSpPr>
+      <p:sp>
+        <p:nvSpPr>
+          <p:cNvPr id="2" name="Title 1">
+            <a:extLst>
+              <a:ext uri="{FF2B5EF4-FFF2-40B4-BE49-F238E27FC236}">
+                <a16:creationId xmlns:a16="http://schemas.microsoft.com/office/drawing/2014/main" id="{B7DFBCD2-3634-2778-7AF0-341C2CDA5A3C}"/>
+              </a:ext>
+            </a:extLst>
+          </p:cNvPr>
+          <p:cNvSpPr>
+            <a:spLocks noGrp="1"/>
+          </p:cNvSpPr>
+          <p:nvPr>
+            <p:ph type="title"/>
+          </p:nvPr>
+        </p:nvSpPr>
+        <p:spPr/>
+        <p:txBody>
+          <a:bodyPr/>
+          <a:lstStyle/>
+          <a:p>
+            <a:r>
+              <a:rPr lang="en-US" dirty="0"/>
+              <a:t>No </a:t>
+            </a:r>
+            <a:r>
+              <a:rPr lang="en-US" dirty="0" err="1"/>
+              <a:t>ElasticTransform</a:t>
+            </a:r>
+            <a:r>
+              <a:rPr lang="en-US" dirty="0"/>
+              <a:t>, Vertical T, Adam, 10 Fold</a:t>
+            </a:r>
+          </a:p>
+        </p:txBody>
+      </p:sp>
+      <p:sp>
+        <p:nvSpPr>
+          <p:cNvPr id="8" name="TextBox 7">
+            <a:extLst>
+              <a:ext uri="{FF2B5EF4-FFF2-40B4-BE49-F238E27FC236}">
+                <a16:creationId xmlns:a16="http://schemas.microsoft.com/office/drawing/2014/main" id="{A2492521-A64F-DB76-BB21-1ABA2E48ECFD}"/>
+              </a:ext>
+            </a:extLst>
+          </p:cNvPr>
+          <p:cNvSpPr txBox="1"/>
+          <p:nvPr/>
+        </p:nvSpPr>
+        <p:spPr>
+          <a:xfrm>
+            <a:off x="10351013" y="6403373"/>
+            <a:ext cx="2006417" cy="369332"/>
+          </a:xfrm>
+          <a:prstGeom prst="rect">
+            <a:avLst/>
+          </a:prstGeom>
+          <a:noFill/>
+        </p:spPr>
+        <p:txBody>
+          <a:bodyPr wrap="square" rtlCol="0">
+            <a:spAutoFit/>
+          </a:bodyPr>
+          <a:lstStyle/>
+          <a:p>
+            <a:r>
+              <a:rPr lang="en-US" dirty="0"/>
+              <a:t>85.23% Accuracy</a:t>
+            </a:r>
+          </a:p>
+        </p:txBody>
+      </p:sp>
+      <p:pic>
+        <p:nvPicPr>
+          <p:cNvPr id="10" name="Content Placeholder 9">
+            <a:extLst>
+              <a:ext uri="{FF2B5EF4-FFF2-40B4-BE49-F238E27FC236}">
+                <a16:creationId xmlns:a16="http://schemas.microsoft.com/office/drawing/2014/main" id="{595DA770-9B52-3A2A-5E0A-3ED66B6B52CB}"/>
+              </a:ext>
+            </a:extLst>
+          </p:cNvPr>
+          <p:cNvPicPr>
+            <a:picLocks noGrp="1" noChangeAspect="1"/>
+          </p:cNvPicPr>
+          <p:nvPr>
+            <p:ph idx="1"/>
+          </p:nvPr>
+        </p:nvPicPr>
+        <p:blipFill>
+          <a:blip r:embed="rId2"/>
+          <a:stretch>
+            <a:fillRect/>
+          </a:stretch>
+        </p:blipFill>
+        <p:spPr>
+          <a:xfrm>
+            <a:off x="1726286" y="1825625"/>
+            <a:ext cx="8739427" cy="4351338"/>
+          </a:xfrm>
+        </p:spPr>
+      </p:pic>
+      <p:pic>
+        <p:nvPicPr>
+          <p:cNvPr id="12" name="Picture 11">
+            <a:extLst>
+              <a:ext uri="{FF2B5EF4-FFF2-40B4-BE49-F238E27FC236}">
+                <a16:creationId xmlns:a16="http://schemas.microsoft.com/office/drawing/2014/main" id="{E74B9D75-D570-D0B0-E519-2E1D52AD021B}"/>
+              </a:ext>
+            </a:extLst>
+          </p:cNvPr>
+          <p:cNvPicPr>
+            <a:picLocks noChangeAspect="1"/>
+          </p:cNvPicPr>
+          <p:nvPr/>
+        </p:nvPicPr>
+        <p:blipFill>
+          <a:blip r:embed="rId3"/>
+          <a:stretch>
+            <a:fillRect/>
+          </a:stretch>
+        </p:blipFill>
+        <p:spPr>
+          <a:xfrm>
+            <a:off x="10060981" y="4371975"/>
+            <a:ext cx="2131019" cy="2031398"/>
+          </a:xfrm>
+          <a:prstGeom prst="rect">
+            <a:avLst/>
+          </a:prstGeom>
+        </p:spPr>
+      </p:pic>
+    </p:spTree>
+    <p:extLst>
+      <p:ext uri="{BB962C8B-B14F-4D97-AF65-F5344CB8AC3E}">
+        <p14:creationId xmlns:p14="http://schemas.microsoft.com/office/powerpoint/2010/main" val="1107269720"/>
+      </p:ext>
+    </p:extLst>
+  </p:cSld>
+  <p:clrMapOvr>
+    <a:masterClrMapping/>
+  </p:clrMapOvr>
+</p:sld>
+</file>
+
+<file path=ppt/slides/slide25.xml><?xml version="1.0" encoding="utf-8"?>
+<p:sld xmlns:a="http://schemas.openxmlformats.org/drawingml/2006/main" xmlns:r="http://schemas.openxmlformats.org/officeDocument/2006/relationships" xmlns:p="http://schemas.openxmlformats.org/presentationml/2006/main">
+  <p:cSld>
+    <p:spTree>
+      <p:nvGrpSpPr>
+        <p:cNvPr id="1" name=""/>
+        <p:cNvGrpSpPr/>
+        <p:nvPr/>
+      </p:nvGrpSpPr>
+      <p:grpSpPr>
+        <a:xfrm>
+          <a:off x="0" y="0"/>
+          <a:ext cx="0" cy="0"/>
+          <a:chOff x="0" y="0"/>
+          <a:chExt cx="0" cy="0"/>
+        </a:xfrm>
+      </p:grpSpPr>
+      <p:sp>
+        <p:nvSpPr>
+          <p:cNvPr id="2" name="Title 1">
+            <a:extLst>
+              <a:ext uri="{FF2B5EF4-FFF2-40B4-BE49-F238E27FC236}">
+                <a16:creationId xmlns:a16="http://schemas.microsoft.com/office/drawing/2014/main" id="{B7DFBCD2-3634-2778-7AF0-341C2CDA5A3C}"/>
+              </a:ext>
+            </a:extLst>
+          </p:cNvPr>
+          <p:cNvSpPr>
+            <a:spLocks noGrp="1"/>
+          </p:cNvSpPr>
+          <p:nvPr>
+            <p:ph type="title"/>
+          </p:nvPr>
+        </p:nvSpPr>
+        <p:spPr/>
+        <p:txBody>
+          <a:bodyPr/>
+          <a:lstStyle/>
+          <a:p>
+            <a:r>
+              <a:rPr lang="en-US" dirty="0"/>
+              <a:t>No </a:t>
+            </a:r>
+            <a:r>
+              <a:rPr lang="en-US" dirty="0" err="1"/>
+              <a:t>ElasticTransform</a:t>
+            </a:r>
+            <a:r>
+              <a:rPr lang="en-US" dirty="0"/>
+              <a:t>, Vertical T, Adam, 10 Fold</a:t>
+            </a:r>
+          </a:p>
+        </p:txBody>
+      </p:sp>
+      <p:sp>
+        <p:nvSpPr>
+          <p:cNvPr id="8" name="TextBox 7">
+            <a:extLst>
+              <a:ext uri="{FF2B5EF4-FFF2-40B4-BE49-F238E27FC236}">
+                <a16:creationId xmlns:a16="http://schemas.microsoft.com/office/drawing/2014/main" id="{A2492521-A64F-DB76-BB21-1ABA2E48ECFD}"/>
+              </a:ext>
+            </a:extLst>
+          </p:cNvPr>
+          <p:cNvSpPr txBox="1"/>
+          <p:nvPr/>
+        </p:nvSpPr>
+        <p:spPr>
+          <a:xfrm>
+            <a:off x="10351013" y="6403373"/>
+            <a:ext cx="2006417" cy="369332"/>
+          </a:xfrm>
+          <a:prstGeom prst="rect">
+            <a:avLst/>
+          </a:prstGeom>
+          <a:noFill/>
+        </p:spPr>
+        <p:txBody>
+          <a:bodyPr wrap="square" rtlCol="0">
+            <a:spAutoFit/>
+          </a:bodyPr>
+          <a:lstStyle/>
+          <a:p>
+            <a:r>
+              <a:rPr lang="en-US" dirty="0"/>
+              <a:t>87.01% Accuracy</a:t>
+            </a:r>
+          </a:p>
+        </p:txBody>
+      </p:sp>
+      <p:pic>
+        <p:nvPicPr>
+          <p:cNvPr id="10" name="Content Placeholder 9">
+            <a:extLst>
+              <a:ext uri="{FF2B5EF4-FFF2-40B4-BE49-F238E27FC236}">
+                <a16:creationId xmlns:a16="http://schemas.microsoft.com/office/drawing/2014/main" id="{595DA770-9B52-3A2A-5E0A-3ED66B6B52CB}"/>
+              </a:ext>
+            </a:extLst>
+          </p:cNvPr>
+          <p:cNvPicPr>
+            <a:picLocks noGrp="1" noChangeAspect="1"/>
+          </p:cNvPicPr>
+          <p:nvPr>
+            <p:ph idx="1"/>
+          </p:nvPr>
+        </p:nvPicPr>
+        <p:blipFill>
+          <a:blip r:embed="rId2">
+            <a:extLst>
+              <a:ext uri="{28A0092B-C50C-407E-A947-70E740481C1C}">
+                <a14:useLocalDpi xmlns:a14="http://schemas.microsoft.com/office/drawing/2010/main" val="0"/>
+              </a:ext>
+            </a:extLst>
+          </a:blip>
+          <a:srcRect/>
+          <a:stretch/>
+        </p:blipFill>
+        <p:spPr>
+          <a:xfrm>
+            <a:off x="1726286" y="1825625"/>
+            <a:ext cx="8739427" cy="4351338"/>
+          </a:xfrm>
+        </p:spPr>
+      </p:pic>
+      <p:pic>
+        <p:nvPicPr>
+          <p:cNvPr id="12" name="Picture 11">
+            <a:extLst>
+              <a:ext uri="{FF2B5EF4-FFF2-40B4-BE49-F238E27FC236}">
+                <a16:creationId xmlns:a16="http://schemas.microsoft.com/office/drawing/2014/main" id="{E74B9D75-D570-D0B0-E519-2E1D52AD021B}"/>
+              </a:ext>
+            </a:extLst>
+          </p:cNvPr>
+          <p:cNvPicPr>
+            <a:picLocks noChangeAspect="1"/>
+          </p:cNvPicPr>
+          <p:nvPr/>
+        </p:nvPicPr>
+        <p:blipFill>
+          <a:blip r:embed="rId3">
+            <a:extLst>
+              <a:ext uri="{28A0092B-C50C-407E-A947-70E740481C1C}">
+                <a14:useLocalDpi xmlns:a14="http://schemas.microsoft.com/office/drawing/2010/main" val="0"/>
+              </a:ext>
+            </a:extLst>
+          </a:blip>
+          <a:srcRect/>
+          <a:stretch/>
+        </p:blipFill>
+        <p:spPr>
+          <a:xfrm>
+            <a:off x="10060981" y="4371975"/>
+            <a:ext cx="2131018" cy="2031398"/>
+          </a:xfrm>
+          <a:prstGeom prst="rect">
+            <a:avLst/>
+          </a:prstGeom>
+        </p:spPr>
+      </p:pic>
+    </p:spTree>
+    <p:extLst>
+      <p:ext uri="{BB962C8B-B14F-4D97-AF65-F5344CB8AC3E}">
+        <p14:creationId xmlns:p14="http://schemas.microsoft.com/office/powerpoint/2010/main" val="3620684738"/>
       </p:ext>
     </p:extLst>
   </p:cSld>
